--- a/pages/backbone/backbone.pptx
+++ b/pages/backbone/backbone.pptx
@@ -3165,7 +3165,7 @@
         </p:nvSpPr>
         <p:spPr>
           <a:xfrm>
-            <a:off x="2286000" y="2204864"/>
+            <a:off x="467544" y="1556792"/>
             <a:ext cx="4572000" cy="3139321"/>
           </a:xfrm>
           <a:prstGeom prst="rect">
@@ -3277,6 +3277,316 @@
             <a:r>
               <a:rPr lang="en-US" altLang="zh-TW" dirty="0" smtClean="0"/>
               <a:t>});</a:t>
+            </a:r>
+            <a:endParaRPr lang="zh-TW" altLang="en-US" dirty="0"/>
+          </a:p>
+        </p:txBody>
+      </p:sp>
+      <p:graphicFrame>
+        <p:nvGraphicFramePr>
+          <p:cNvPr id="3" name="表格 2"/>
+          <p:cNvGraphicFramePr>
+            <a:graphicFrameLocks noGrp="1"/>
+          </p:cNvGraphicFramePr>
+          <p:nvPr>
+            <p:extLst>
+              <p:ext uri="{D42A27DB-BD31-4B8C-83A1-F6EECF244321}">
+                <p14:modId xmlns:p14="http://schemas.microsoft.com/office/powerpoint/2010/main" val="3934310328"/>
+              </p:ext>
+            </p:extLst>
+          </p:nvPr>
+        </p:nvGraphicFramePr>
+        <p:xfrm>
+          <a:off x="4788024" y="4509120"/>
+          <a:ext cx="4104456" cy="2103120"/>
+        </p:xfrm>
+        <a:graphic>
+          <a:graphicData uri="http://schemas.openxmlformats.org/drawingml/2006/table">
+            <a:tbl>
+              <a:tblPr firstRow="1" bandRow="1">
+                <a:tableStyleId>{5C22544A-7EE6-4342-B048-85BDC9FD1C3A}</a:tableStyleId>
+              </a:tblPr>
+              <a:tblGrid>
+                <a:gridCol w="1368152"/>
+                <a:gridCol w="1368152"/>
+                <a:gridCol w="1368152"/>
+              </a:tblGrid>
+              <a:tr h="241226">
+                <a:tc>
+                  <a:txBody>
+                    <a:bodyPr/>
+                    <a:lstStyle/>
+                    <a:p>
+                      <a:r>
+                        <a:rPr lang="en-US" altLang="zh-TW" dirty="0" smtClean="0"/>
+                        <a:t>CRUD</a:t>
+                      </a:r>
+                      <a:endParaRPr lang="zh-TW" altLang="en-US" dirty="0"/>
+                    </a:p>
+                  </a:txBody>
+                  <a:tcPr/>
+                </a:tc>
+                <a:tc>
+                  <a:txBody>
+                    <a:bodyPr/>
+                    <a:lstStyle/>
+                    <a:p>
+                      <a:r>
+                        <a:rPr lang="en-US" altLang="zh-TW" dirty="0" smtClean="0"/>
+                        <a:t>http request</a:t>
+                      </a:r>
+                      <a:endParaRPr lang="zh-TW" altLang="en-US" dirty="0"/>
+                    </a:p>
+                  </a:txBody>
+                  <a:tcPr/>
+                </a:tc>
+                <a:tc>
+                  <a:txBody>
+                    <a:bodyPr/>
+                    <a:lstStyle/>
+                    <a:p>
+                      <a:r>
+                        <a:rPr lang="en-US" altLang="zh-TW" dirty="0" smtClean="0"/>
+                        <a:t>Backbone method</a:t>
+                      </a:r>
+                      <a:endParaRPr lang="zh-TW" altLang="en-US" dirty="0"/>
+                    </a:p>
+                  </a:txBody>
+                  <a:tcPr/>
+                </a:tc>
+              </a:tr>
+              <a:tr h="241226">
+                <a:tc>
+                  <a:txBody>
+                    <a:bodyPr/>
+                    <a:lstStyle/>
+                    <a:p>
+                      <a:r>
+                        <a:rPr lang="en-US" altLang="zh-TW" dirty="0" smtClean="0"/>
+                        <a:t>Create</a:t>
+                      </a:r>
+                      <a:endParaRPr lang="zh-TW" altLang="en-US" dirty="0"/>
+                    </a:p>
+                  </a:txBody>
+                  <a:tcPr/>
+                </a:tc>
+                <a:tc>
+                  <a:txBody>
+                    <a:bodyPr/>
+                    <a:lstStyle/>
+                    <a:p>
+                      <a:r>
+                        <a:rPr lang="en-US" altLang="zh-TW" dirty="0" smtClean="0"/>
+                        <a:t>Post</a:t>
+                      </a:r>
+                      <a:endParaRPr lang="zh-TW" altLang="en-US" dirty="0"/>
+                    </a:p>
+                  </a:txBody>
+                  <a:tcPr/>
+                </a:tc>
+                <a:tc>
+                  <a:txBody>
+                    <a:bodyPr/>
+                    <a:lstStyle/>
+                    <a:p>
+                      <a:r>
+                        <a:rPr lang="en-US" altLang="zh-TW" dirty="0" smtClean="0"/>
+                        <a:t>save</a:t>
+                      </a:r>
+                      <a:endParaRPr lang="zh-TW" altLang="en-US" dirty="0"/>
+                    </a:p>
+                  </a:txBody>
+                  <a:tcPr/>
+                </a:tc>
+              </a:tr>
+              <a:tr h="241226">
+                <a:tc>
+                  <a:txBody>
+                    <a:bodyPr/>
+                    <a:lstStyle/>
+                    <a:p>
+                      <a:r>
+                        <a:rPr lang="en-US" altLang="zh-TW" dirty="0" smtClean="0"/>
+                        <a:t>Read</a:t>
+                      </a:r>
+                      <a:endParaRPr lang="zh-TW" altLang="en-US" dirty="0"/>
+                    </a:p>
+                  </a:txBody>
+                  <a:tcPr/>
+                </a:tc>
+                <a:tc>
+                  <a:txBody>
+                    <a:bodyPr/>
+                    <a:lstStyle/>
+                    <a:p>
+                      <a:r>
+                        <a:rPr lang="en-US" altLang="zh-TW" dirty="0" smtClean="0"/>
+                        <a:t>Get</a:t>
+                      </a:r>
+                      <a:endParaRPr lang="zh-TW" altLang="en-US" dirty="0"/>
+                    </a:p>
+                  </a:txBody>
+                  <a:tcPr/>
+                </a:tc>
+                <a:tc>
+                  <a:txBody>
+                    <a:bodyPr/>
+                    <a:lstStyle/>
+                    <a:p>
+                      <a:r>
+                        <a:rPr lang="en-US" altLang="zh-TW" dirty="0" smtClean="0"/>
+                        <a:t>fetch</a:t>
+                      </a:r>
+                      <a:endParaRPr lang="zh-TW" altLang="en-US" dirty="0"/>
+                    </a:p>
+                  </a:txBody>
+                  <a:tcPr/>
+                </a:tc>
+              </a:tr>
+              <a:tr h="241226">
+                <a:tc>
+                  <a:txBody>
+                    <a:bodyPr/>
+                    <a:lstStyle/>
+                    <a:p>
+                      <a:r>
+                        <a:rPr lang="en-US" altLang="zh-TW" dirty="0" smtClean="0"/>
+                        <a:t>Update</a:t>
+                      </a:r>
+                      <a:endParaRPr lang="zh-TW" altLang="en-US" dirty="0"/>
+                    </a:p>
+                  </a:txBody>
+                  <a:tcPr/>
+                </a:tc>
+                <a:tc>
+                  <a:txBody>
+                    <a:bodyPr/>
+                    <a:lstStyle/>
+                    <a:p>
+                      <a:r>
+                        <a:rPr lang="en-US" altLang="zh-TW" dirty="0" smtClean="0"/>
+                        <a:t>Put</a:t>
+                      </a:r>
+                      <a:endParaRPr lang="zh-TW" altLang="en-US" dirty="0"/>
+                    </a:p>
+                  </a:txBody>
+                  <a:tcPr/>
+                </a:tc>
+                <a:tc>
+                  <a:txBody>
+                    <a:bodyPr/>
+                    <a:lstStyle/>
+                    <a:p>
+                      <a:r>
+                        <a:rPr lang="en-US" altLang="zh-TW" dirty="0" smtClean="0"/>
+                        <a:t>Save</a:t>
+                      </a:r>
+                      <a:endParaRPr lang="zh-TW" altLang="en-US" dirty="0"/>
+                    </a:p>
+                  </a:txBody>
+                  <a:tcPr/>
+                </a:tc>
+              </a:tr>
+              <a:tr h="241226">
+                <a:tc>
+                  <a:txBody>
+                    <a:bodyPr/>
+                    <a:lstStyle/>
+                    <a:p>
+                      <a:r>
+                        <a:rPr lang="en-US" altLang="zh-TW" dirty="0" smtClean="0"/>
+                        <a:t>Delete</a:t>
+                      </a:r>
+                      <a:endParaRPr lang="zh-TW" altLang="en-US" dirty="0"/>
+                    </a:p>
+                  </a:txBody>
+                  <a:tcPr/>
+                </a:tc>
+                <a:tc>
+                  <a:txBody>
+                    <a:bodyPr/>
+                    <a:lstStyle/>
+                    <a:p>
+                      <a:r>
+                        <a:rPr lang="en-US" altLang="zh-TW" dirty="0" smtClean="0"/>
+                        <a:t>Delete</a:t>
+                      </a:r>
+                      <a:endParaRPr lang="zh-TW" altLang="en-US" dirty="0"/>
+                    </a:p>
+                  </a:txBody>
+                  <a:tcPr/>
+                </a:tc>
+                <a:tc>
+                  <a:txBody>
+                    <a:bodyPr/>
+                    <a:lstStyle/>
+                    <a:p>
+                      <a:r>
+                        <a:rPr lang="en-US" altLang="zh-TW" dirty="0" smtClean="0"/>
+                        <a:t>destroy</a:t>
+                      </a:r>
+                      <a:endParaRPr lang="zh-TW" altLang="en-US" dirty="0"/>
+                    </a:p>
+                  </a:txBody>
+                  <a:tcPr/>
+                </a:tc>
+              </a:tr>
+            </a:tbl>
+          </a:graphicData>
+        </a:graphic>
+      </p:graphicFrame>
+      <p:sp>
+        <p:nvSpPr>
+          <p:cNvPr id="5" name="矩形 4"/>
+          <p:cNvSpPr/>
+          <p:nvPr/>
+        </p:nvSpPr>
+        <p:spPr>
+          <a:xfrm>
+            <a:off x="2051720" y="5445224"/>
+            <a:ext cx="2596352" cy="646331"/>
+          </a:xfrm>
+          <a:prstGeom prst="rect">
+            <a:avLst/>
+          </a:prstGeom>
+          <a:ln>
+            <a:solidFill>
+              <a:schemeClr val="tx1"/>
+            </a:solidFill>
+            <a:prstDash val="dash"/>
+          </a:ln>
+        </p:spPr>
+        <p:txBody>
+          <a:bodyPr wrap="none">
+            <a:spAutoFit/>
+          </a:bodyPr>
+          <a:lstStyle/>
+          <a:p>
+            <a:r>
+              <a:rPr lang="en-US" altLang="zh-TW" dirty="0" err="1" smtClean="0"/>
+              <a:t>Var</a:t>
+            </a:r>
+            <a:r>
+              <a:rPr lang="en-US" altLang="zh-TW" dirty="0" smtClean="0"/>
+              <a:t> user = User({“</a:t>
+            </a:r>
+            <a:r>
+              <a:rPr lang="en-US" altLang="zh-TW" dirty="0" err="1" smtClean="0"/>
+              <a:t>aa</a:t>
+            </a:r>
+            <a:r>
+              <a:rPr lang="en-US" altLang="zh-TW" dirty="0" smtClean="0"/>
+              <a:t>”: 1});</a:t>
+            </a:r>
+          </a:p>
+          <a:p>
+            <a:r>
+              <a:rPr lang="en-US" altLang="zh-TW" dirty="0" err="1" smtClean="0"/>
+              <a:t>url.save</a:t>
+            </a:r>
+            <a:r>
+              <a:rPr lang="en-US" altLang="zh-TW" dirty="0" smtClean="0"/>
+              <a:t>(); </a:t>
             </a:r>
             <a:endParaRPr lang="zh-TW" altLang="en-US" dirty="0"/>
           </a:p>

--- a/pages/backbone/backbone.pptx
+++ b/pages/backbone/backbone.pptx
@@ -6,18 +6,19 @@
   </p:sldMasterIdLst>
   <p:sldIdLst>
     <p:sldId id="256" r:id="rId2"/>
-    <p:sldId id="257" r:id="rId3"/>
-    <p:sldId id="258" r:id="rId4"/>
-    <p:sldId id="259" r:id="rId5"/>
-    <p:sldId id="260" r:id="rId6"/>
-    <p:sldId id="261" r:id="rId7"/>
-    <p:sldId id="262" r:id="rId8"/>
-    <p:sldId id="263" r:id="rId9"/>
-    <p:sldId id="264" r:id="rId10"/>
-    <p:sldId id="265" r:id="rId11"/>
-    <p:sldId id="266" r:id="rId12"/>
-    <p:sldId id="267" r:id="rId13"/>
-    <p:sldId id="268" r:id="rId14"/>
+    <p:sldId id="269" r:id="rId3"/>
+    <p:sldId id="257" r:id="rId4"/>
+    <p:sldId id="258" r:id="rId5"/>
+    <p:sldId id="259" r:id="rId6"/>
+    <p:sldId id="260" r:id="rId7"/>
+    <p:sldId id="261" r:id="rId8"/>
+    <p:sldId id="262" r:id="rId9"/>
+    <p:sldId id="263" r:id="rId10"/>
+    <p:sldId id="264" r:id="rId11"/>
+    <p:sldId id="265" r:id="rId12"/>
+    <p:sldId id="266" r:id="rId13"/>
+    <p:sldId id="267" r:id="rId14"/>
+    <p:sldId id="268" r:id="rId15"/>
   </p:sldIdLst>
   <p:sldSz cx="9144000" cy="6858000" type="screen4x3"/>
   <p:notesSz cx="6858000" cy="9144000"/>
@@ -300,7 +301,7 @@
           <a:p>
             <a:fld id="{5BBEAD13-0566-4C6C-97E7-55F17F24B09F}" type="datetimeFigureOut">
               <a:rPr lang="zh-TW" altLang="en-US" smtClean="0"/>
-              <a:t>2012/5/24</a:t>
+              <a:t>2012/5/25</a:t>
             </a:fld>
             <a:endParaRPr lang="zh-TW" altLang="en-US"/>
           </a:p>
@@ -465,7 +466,7 @@
           <a:p>
             <a:fld id="{5BBEAD13-0566-4C6C-97E7-55F17F24B09F}" type="datetimeFigureOut">
               <a:rPr lang="zh-TW" altLang="en-US" smtClean="0"/>
-              <a:t>2012/5/24</a:t>
+              <a:t>2012/5/25</a:t>
             </a:fld>
             <a:endParaRPr lang="zh-TW" altLang="en-US"/>
           </a:p>
@@ -640,7 +641,7 @@
           <a:p>
             <a:fld id="{5BBEAD13-0566-4C6C-97E7-55F17F24B09F}" type="datetimeFigureOut">
               <a:rPr lang="zh-TW" altLang="en-US" smtClean="0"/>
-              <a:t>2012/5/24</a:t>
+              <a:t>2012/5/25</a:t>
             </a:fld>
             <a:endParaRPr lang="zh-TW" altLang="en-US"/>
           </a:p>
@@ -805,7 +806,7 @@
           <a:p>
             <a:fld id="{5BBEAD13-0566-4C6C-97E7-55F17F24B09F}" type="datetimeFigureOut">
               <a:rPr lang="zh-TW" altLang="en-US" smtClean="0"/>
-              <a:t>2012/5/24</a:t>
+              <a:t>2012/5/25</a:t>
             </a:fld>
             <a:endParaRPr lang="zh-TW" altLang="en-US"/>
           </a:p>
@@ -1046,7 +1047,7 @@
           <a:p>
             <a:fld id="{5BBEAD13-0566-4C6C-97E7-55F17F24B09F}" type="datetimeFigureOut">
               <a:rPr lang="zh-TW" altLang="en-US" smtClean="0"/>
-              <a:t>2012/5/24</a:t>
+              <a:t>2012/5/25</a:t>
             </a:fld>
             <a:endParaRPr lang="zh-TW" altLang="en-US"/>
           </a:p>
@@ -1329,7 +1330,7 @@
           <a:p>
             <a:fld id="{5BBEAD13-0566-4C6C-97E7-55F17F24B09F}" type="datetimeFigureOut">
               <a:rPr lang="zh-TW" altLang="en-US" smtClean="0"/>
-              <a:t>2012/5/24</a:t>
+              <a:t>2012/5/25</a:t>
             </a:fld>
             <a:endParaRPr lang="zh-TW" altLang="en-US"/>
           </a:p>
@@ -1746,7 +1747,7 @@
           <a:p>
             <a:fld id="{5BBEAD13-0566-4C6C-97E7-55F17F24B09F}" type="datetimeFigureOut">
               <a:rPr lang="zh-TW" altLang="en-US" smtClean="0"/>
-              <a:t>2012/5/24</a:t>
+              <a:t>2012/5/25</a:t>
             </a:fld>
             <a:endParaRPr lang="zh-TW" altLang="en-US"/>
           </a:p>
@@ -1859,7 +1860,7 @@
           <a:p>
             <a:fld id="{5BBEAD13-0566-4C6C-97E7-55F17F24B09F}" type="datetimeFigureOut">
               <a:rPr lang="zh-TW" altLang="en-US" smtClean="0"/>
-              <a:t>2012/5/24</a:t>
+              <a:t>2012/5/25</a:t>
             </a:fld>
             <a:endParaRPr lang="zh-TW" altLang="en-US"/>
           </a:p>
@@ -1949,7 +1950,7 @@
           <a:p>
             <a:fld id="{5BBEAD13-0566-4C6C-97E7-55F17F24B09F}" type="datetimeFigureOut">
               <a:rPr lang="zh-TW" altLang="en-US" smtClean="0"/>
-              <a:t>2012/5/24</a:t>
+              <a:t>2012/5/25</a:t>
             </a:fld>
             <a:endParaRPr lang="zh-TW" altLang="en-US"/>
           </a:p>
@@ -2221,7 +2222,7 @@
           <a:p>
             <a:fld id="{5BBEAD13-0566-4C6C-97E7-55F17F24B09F}" type="datetimeFigureOut">
               <a:rPr lang="zh-TW" altLang="en-US" smtClean="0"/>
-              <a:t>2012/5/24</a:t>
+              <a:t>2012/5/25</a:t>
             </a:fld>
             <a:endParaRPr lang="zh-TW" altLang="en-US"/>
           </a:p>
@@ -2469,7 +2470,7 @@
           <a:p>
             <a:fld id="{5BBEAD13-0566-4C6C-97E7-55F17F24B09F}" type="datetimeFigureOut">
               <a:rPr lang="zh-TW" altLang="en-US" smtClean="0"/>
-              <a:t>2012/5/24</a:t>
+              <a:t>2012/5/25</a:t>
             </a:fld>
             <a:endParaRPr lang="zh-TW" altLang="en-US"/>
           </a:p>
@@ -2677,7 +2678,7 @@
           <a:p>
             <a:fld id="{5BBEAD13-0566-4C6C-97E7-55F17F24B09F}" type="datetimeFigureOut">
               <a:rPr lang="zh-TW" altLang="en-US" smtClean="0"/>
-              <a:t>2012/5/24</a:t>
+              <a:t>2012/5/25</a:t>
             </a:fld>
             <a:endParaRPr lang="zh-TW" altLang="en-US"/>
           </a:p>
@@ -3151,6 +3152,360 @@
           <a:p>
             <a:r>
               <a:rPr lang="en-US" altLang="zh-TW" dirty="0" smtClean="0"/>
+              <a:t>View</a:t>
+            </a:r>
+            <a:endParaRPr lang="zh-TW" altLang="en-US" dirty="0"/>
+          </a:p>
+        </p:txBody>
+      </p:sp>
+      <p:sp>
+        <p:nvSpPr>
+          <p:cNvPr id="4" name="矩形 3"/>
+          <p:cNvSpPr/>
+          <p:nvPr/>
+        </p:nvSpPr>
+        <p:spPr>
+          <a:xfrm>
+            <a:off x="1907704" y="2348880"/>
+            <a:ext cx="5328592" cy="3240360"/>
+          </a:xfrm>
+          <a:prstGeom prst="rect">
+            <a:avLst/>
+          </a:prstGeom>
+        </p:spPr>
+        <p:txBody>
+          <a:bodyPr wrap="square">
+            <a:spAutoFit/>
+          </a:bodyPr>
+          <a:lstStyle/>
+          <a:p>
+            <a:r>
+              <a:rPr lang="en-US" altLang="zh-TW" dirty="0" err="1"/>
+              <a:t>var</a:t>
+            </a:r>
+            <a:r>
+              <a:rPr lang="en-US" altLang="zh-TW" dirty="0"/>
+              <a:t> </a:t>
+            </a:r>
+            <a:r>
+              <a:rPr lang="en-US" altLang="zh-TW" dirty="0" err="1"/>
+              <a:t>TableView</a:t>
+            </a:r>
+            <a:r>
+              <a:rPr lang="en-US" altLang="zh-TW" dirty="0"/>
+              <a:t> = </a:t>
+            </a:r>
+            <a:r>
+              <a:rPr lang="en-US" altLang="zh-TW" dirty="0" err="1"/>
+              <a:t>Backbone.View.extend</a:t>
+            </a:r>
+            <a:r>
+              <a:rPr lang="en-US" altLang="zh-TW" dirty="0"/>
+              <a:t>({</a:t>
+            </a:r>
+          </a:p>
+          <a:p>
+            <a:r>
+              <a:rPr lang="en-US" altLang="zh-TW" dirty="0"/>
+              <a:t> </a:t>
+            </a:r>
+            <a:r>
+              <a:rPr lang="en-US" altLang="zh-TW" dirty="0" smtClean="0"/>
+              <a:t>template</a:t>
+            </a:r>
+            <a:r>
+              <a:rPr lang="en-US" altLang="zh-TW" dirty="0"/>
+              <a:t>: _.template</a:t>
+            </a:r>
+            <a:r>
+              <a:rPr lang="en-US" altLang="zh-TW" dirty="0" smtClean="0"/>
+              <a:t>($("#View-template</a:t>
+            </a:r>
+            <a:r>
+              <a:rPr lang="en-US" altLang="zh-TW" dirty="0"/>
+              <a:t>").html()),</a:t>
+            </a:r>
+          </a:p>
+          <a:p>
+            <a:r>
+              <a:rPr lang="en-US" altLang="zh-TW" dirty="0"/>
+              <a:t> </a:t>
+            </a:r>
+            <a:r>
+              <a:rPr lang="en-US" altLang="zh-TW" dirty="0" smtClean="0"/>
+              <a:t>render</a:t>
+            </a:r>
+            <a:r>
+              <a:rPr lang="en-US" altLang="zh-TW" dirty="0"/>
+              <a:t>: function</a:t>
+            </a:r>
+            <a:r>
+              <a:rPr lang="en-US" altLang="zh-TW" dirty="0" smtClean="0"/>
+              <a:t>(){</a:t>
+            </a:r>
+          </a:p>
+          <a:p>
+            <a:r>
+              <a:rPr lang="en-US" altLang="zh-TW" dirty="0" smtClean="0"/>
+              <a:t>    this</a:t>
+            </a:r>
+            <a:r>
+              <a:rPr lang="en-US" altLang="zh-TW" dirty="0"/>
+              <a:t>.$</a:t>
+            </a:r>
+            <a:r>
+              <a:rPr lang="en-US" altLang="zh-TW" dirty="0" smtClean="0"/>
+              <a:t>el.html(</a:t>
+            </a:r>
+            <a:r>
+              <a:rPr lang="en-US" altLang="zh-TW" dirty="0" err="1" smtClean="0"/>
+              <a:t>this.template</a:t>
+            </a:r>
+            <a:r>
+              <a:rPr lang="en-US" altLang="zh-TW" dirty="0" smtClean="0"/>
+              <a:t>(</a:t>
+            </a:r>
+            <a:r>
+              <a:rPr lang="en-US" altLang="zh-TW" dirty="0" err="1" smtClean="0"/>
+              <a:t>this.model.toJSON</a:t>
+            </a:r>
+            <a:r>
+              <a:rPr lang="en-US" altLang="zh-TW" dirty="0" smtClean="0"/>
+              <a:t>()));</a:t>
+            </a:r>
+            <a:endParaRPr lang="en-US" altLang="zh-TW" dirty="0"/>
+          </a:p>
+          <a:p>
+            <a:r>
+              <a:rPr lang="en-US" altLang="zh-TW" dirty="0"/>
+              <a:t>    return this</a:t>
+            </a:r>
+            <a:r>
+              <a:rPr lang="en-US" altLang="zh-TW" dirty="0" smtClean="0"/>
+              <a:t>;</a:t>
+            </a:r>
+          </a:p>
+          <a:p>
+            <a:r>
+              <a:rPr lang="en-US" altLang="zh-TW" dirty="0"/>
+              <a:t>  </a:t>
+            </a:r>
+            <a:r>
+              <a:rPr lang="en-US" altLang="zh-TW" dirty="0" smtClean="0"/>
+              <a:t>},</a:t>
+            </a:r>
+          </a:p>
+          <a:p>
+            <a:r>
+              <a:rPr lang="en-US" altLang="zh-TW" dirty="0" smtClean="0"/>
+              <a:t> </a:t>
+            </a:r>
+            <a:r>
+              <a:rPr lang="en-US" altLang="zh-TW" dirty="0"/>
+              <a:t>events: {</a:t>
+            </a:r>
+          </a:p>
+          <a:p>
+            <a:r>
+              <a:rPr lang="en-US" altLang="zh-TW" dirty="0"/>
+              <a:t>    'click #</a:t>
+            </a:r>
+            <a:r>
+              <a:rPr lang="en-US" altLang="zh-TW" dirty="0" err="1"/>
+              <a:t>submitBtn</a:t>
+            </a:r>
+            <a:r>
+              <a:rPr lang="en-US" altLang="zh-TW" dirty="0"/>
+              <a:t>': </a:t>
+            </a:r>
+            <a:r>
+              <a:rPr lang="en-US" altLang="zh-TW" dirty="0" smtClean="0"/>
+              <a:t>‘</a:t>
+            </a:r>
+            <a:r>
+              <a:rPr lang="en-US" altLang="zh-TW" dirty="0" err="1" smtClean="0"/>
+              <a:t>doSomething</a:t>
+            </a:r>
+            <a:r>
+              <a:rPr lang="en-US" altLang="zh-TW" dirty="0" smtClean="0"/>
+              <a:t>'</a:t>
+            </a:r>
+            <a:endParaRPr lang="en-US" altLang="zh-TW" dirty="0"/>
+          </a:p>
+          <a:p>
+            <a:r>
+              <a:rPr lang="en-US" altLang="zh-TW" dirty="0"/>
+              <a:t>  }, </a:t>
+            </a:r>
+          </a:p>
+          <a:p>
+            <a:r>
+              <a:rPr lang="en-US" altLang="zh-TW" dirty="0" smtClean="0"/>
+              <a:t>  </a:t>
+            </a:r>
+            <a:r>
+              <a:rPr lang="en-US" altLang="zh-TW" dirty="0" err="1"/>
+              <a:t>doSomething</a:t>
+            </a:r>
+            <a:r>
+              <a:rPr lang="en-US" altLang="zh-TW" dirty="0"/>
+              <a:t> </a:t>
+            </a:r>
+            <a:r>
+              <a:rPr lang="en-US" altLang="zh-TW" dirty="0" smtClean="0"/>
+              <a:t>: </a:t>
+            </a:r>
+            <a:r>
+              <a:rPr lang="en-US" altLang="zh-TW" dirty="0"/>
+              <a:t>function(e</a:t>
+            </a:r>
+            <a:r>
+              <a:rPr lang="en-US" altLang="zh-TW" dirty="0" smtClean="0"/>
+              <a:t>){ … }</a:t>
+            </a:r>
+            <a:endParaRPr lang="en-US" altLang="zh-TW" dirty="0"/>
+          </a:p>
+          <a:p>
+            <a:r>
+              <a:rPr lang="en-US" altLang="zh-TW" dirty="0"/>
+              <a:t>});</a:t>
+            </a:r>
+            <a:endParaRPr lang="zh-TW" altLang="en-US" dirty="0"/>
+          </a:p>
+        </p:txBody>
+      </p:sp>
+      <p:sp>
+        <p:nvSpPr>
+          <p:cNvPr id="5" name="文字方塊 4"/>
+          <p:cNvSpPr txBox="1"/>
+          <p:nvPr/>
+        </p:nvSpPr>
+        <p:spPr>
+          <a:xfrm>
+            <a:off x="467544" y="1703543"/>
+            <a:ext cx="1800200" cy="369332"/>
+          </a:xfrm>
+          <a:prstGeom prst="rect">
+            <a:avLst/>
+          </a:prstGeom>
+        </p:spPr>
+        <p:style>
+          <a:lnRef idx="2">
+            <a:schemeClr val="accent1"/>
+          </a:lnRef>
+          <a:fillRef idx="1">
+            <a:schemeClr val="lt1"/>
+          </a:fillRef>
+          <a:effectRef idx="0">
+            <a:schemeClr val="accent1"/>
+          </a:effectRef>
+          <a:fontRef idx="minor">
+            <a:schemeClr val="dk1"/>
+          </a:fontRef>
+        </p:style>
+        <p:txBody>
+          <a:bodyPr wrap="square" rtlCol="0">
+            <a:spAutoFit/>
+          </a:bodyPr>
+          <a:lstStyle/>
+          <a:p>
+            <a:r>
+              <a:rPr lang="en-US" altLang="zh-TW" dirty="0" smtClean="0"/>
+              <a:t>$(“&lt;div&gt;&lt;/div&gt;”)</a:t>
+            </a:r>
+            <a:endParaRPr lang="zh-TW" altLang="en-US" dirty="0"/>
+          </a:p>
+        </p:txBody>
+      </p:sp>
+      <p:sp>
+        <p:nvSpPr>
+          <p:cNvPr id="7" name="弧形 6"/>
+          <p:cNvSpPr/>
+          <p:nvPr/>
+        </p:nvSpPr>
+        <p:spPr>
+          <a:xfrm rot="11150447">
+            <a:off x="1525592" y="1024043"/>
+            <a:ext cx="2335762" cy="2364253"/>
+          </a:xfrm>
+          <a:prstGeom prst="arc">
+            <a:avLst/>
+          </a:prstGeom>
+          <a:ln>
+            <a:headEnd type="arrow" w="med" len="med"/>
+            <a:tailEnd type="arrow" w="med" len="med"/>
+          </a:ln>
+        </p:spPr>
+        <p:style>
+          <a:lnRef idx="1">
+            <a:schemeClr val="accent1"/>
+          </a:lnRef>
+          <a:fillRef idx="0">
+            <a:schemeClr val="accent1"/>
+          </a:fillRef>
+          <a:effectRef idx="0">
+            <a:schemeClr val="accent1"/>
+          </a:effectRef>
+          <a:fontRef idx="minor">
+            <a:schemeClr val="tx1"/>
+          </a:fontRef>
+        </p:style>
+        <p:txBody>
+          <a:bodyPr rtlCol="0" anchor="ctr"/>
+          <a:lstStyle/>
+          <a:p>
+            <a:pPr algn="ctr"/>
+            <a:endParaRPr lang="zh-TW" altLang="en-US"/>
+          </a:p>
+        </p:txBody>
+      </p:sp>
+    </p:spTree>
+    <p:extLst>
+      <p:ext uri="{BB962C8B-B14F-4D97-AF65-F5344CB8AC3E}">
+        <p14:creationId xmlns:p14="http://schemas.microsoft.com/office/powerpoint/2010/main" val="3956058983"/>
+      </p:ext>
+    </p:extLst>
+  </p:cSld>
+  <p:clrMapOvr>
+    <a:masterClrMapping/>
+  </p:clrMapOvr>
+</p:sld>
+</file>
+
+<file path=ppt/slides/slide11.xml><?xml version="1.0" encoding="utf-8"?>
+<p:sld xmlns:a="http://schemas.openxmlformats.org/drawingml/2006/main" xmlns:r="http://schemas.openxmlformats.org/officeDocument/2006/relationships" xmlns:p="http://schemas.openxmlformats.org/presentationml/2006/main">
+  <p:cSld>
+    <p:spTree>
+      <p:nvGrpSpPr>
+        <p:cNvPr id="1" name=""/>
+        <p:cNvGrpSpPr/>
+        <p:nvPr/>
+      </p:nvGrpSpPr>
+      <p:grpSpPr>
+        <a:xfrm>
+          <a:off x="0" y="0"/>
+          <a:ext cx="0" cy="0"/>
+          <a:chOff x="0" y="0"/>
+          <a:chExt cx="0" cy="0"/>
+        </a:xfrm>
+      </p:grpSpPr>
+      <p:sp>
+        <p:nvSpPr>
+          <p:cNvPr id="2" name="標題 1"/>
+          <p:cNvSpPr>
+            <a:spLocks noGrp="1"/>
+          </p:cNvSpPr>
+          <p:nvPr>
+            <p:ph type="title"/>
+          </p:nvPr>
+        </p:nvSpPr>
+        <p:spPr/>
+        <p:txBody>
+          <a:bodyPr/>
+          <a:lstStyle/>
+          <a:p>
+            <a:r>
+              <a:rPr lang="en-US" altLang="zh-TW" dirty="0" smtClean="0"/>
               <a:t>Model</a:t>
             </a:r>
             <a:endParaRPr lang="zh-TW" altLang="en-US" dirty="0"/>
@@ -3605,116 +3960,6 @@
 </p:sld>
 </file>
 
-<file path=ppt/slides/slide11.xml><?xml version="1.0" encoding="utf-8"?>
-<p:sld xmlns:a="http://schemas.openxmlformats.org/drawingml/2006/main" xmlns:r="http://schemas.openxmlformats.org/officeDocument/2006/relationships" xmlns:p="http://schemas.openxmlformats.org/presentationml/2006/main">
-  <p:cSld>
-    <p:spTree>
-      <p:nvGrpSpPr>
-        <p:cNvPr id="1" name=""/>
-        <p:cNvGrpSpPr/>
-        <p:nvPr/>
-      </p:nvGrpSpPr>
-      <p:grpSpPr>
-        <a:xfrm>
-          <a:off x="0" y="0"/>
-          <a:ext cx="0" cy="0"/>
-          <a:chOff x="0" y="0"/>
-          <a:chExt cx="0" cy="0"/>
-        </a:xfrm>
-      </p:grpSpPr>
-      <p:sp>
-        <p:nvSpPr>
-          <p:cNvPr id="2" name="標題 1"/>
-          <p:cNvSpPr>
-            <a:spLocks noGrp="1"/>
-          </p:cNvSpPr>
-          <p:nvPr>
-            <p:ph type="title"/>
-          </p:nvPr>
-        </p:nvSpPr>
-        <p:spPr/>
-        <p:txBody>
-          <a:bodyPr/>
-          <a:lstStyle/>
-          <a:p>
-            <a:r>
-              <a:rPr lang="en-US" altLang="zh-TW" dirty="0" smtClean="0"/>
-              <a:t>Collection</a:t>
-            </a:r>
-            <a:endParaRPr lang="zh-TW" altLang="en-US" dirty="0"/>
-          </a:p>
-        </p:txBody>
-      </p:sp>
-      <p:sp>
-        <p:nvSpPr>
-          <p:cNvPr id="4" name="矩形 3"/>
-          <p:cNvSpPr/>
-          <p:nvPr/>
-        </p:nvSpPr>
-        <p:spPr>
-          <a:xfrm>
-            <a:off x="2286000" y="2828836"/>
-            <a:ext cx="4572000" cy="923330"/>
-          </a:xfrm>
-          <a:prstGeom prst="rect">
-            <a:avLst/>
-          </a:prstGeom>
-        </p:spPr>
-        <p:txBody>
-          <a:bodyPr>
-            <a:spAutoFit/>
-          </a:bodyPr>
-          <a:lstStyle/>
-          <a:p>
-            <a:r>
-              <a:rPr lang="en-US" altLang="zh-TW" dirty="0" err="1"/>
-              <a:t>var</a:t>
-            </a:r>
-            <a:r>
-              <a:rPr lang="en-US" altLang="zh-TW" dirty="0"/>
-              <a:t> Users = </a:t>
-            </a:r>
-            <a:r>
-              <a:rPr lang="en-US" altLang="zh-TW" dirty="0" err="1"/>
-              <a:t>Backbone.Collection.extend</a:t>
-            </a:r>
-            <a:r>
-              <a:rPr lang="en-US" altLang="zh-TW" dirty="0"/>
-              <a:t>({</a:t>
-            </a:r>
-          </a:p>
-          <a:p>
-            <a:r>
-              <a:rPr lang="en-US" altLang="zh-TW" dirty="0"/>
-              <a:t>    model: </a:t>
-            </a:r>
-            <a:r>
-              <a:rPr lang="en-US" altLang="zh-TW" dirty="0" smtClean="0"/>
-              <a:t>User</a:t>
-            </a:r>
-          </a:p>
-          <a:p>
-            <a:r>
-              <a:rPr lang="en-US" altLang="zh-TW" dirty="0" smtClean="0"/>
-              <a:t>});</a:t>
-            </a:r>
-            <a:endParaRPr lang="zh-TW" altLang="en-US" dirty="0"/>
-          </a:p>
-        </p:txBody>
-      </p:sp>
-    </p:spTree>
-    <p:extLst>
-      <p:ext uri="{BB962C8B-B14F-4D97-AF65-F5344CB8AC3E}">
-        <p14:creationId xmlns:p14="http://schemas.microsoft.com/office/powerpoint/2010/main" val="2449310176"/>
-      </p:ext>
-    </p:extLst>
-  </p:cSld>
-  <p:clrMapOvr>
-    <a:masterClrMapping/>
-  </p:clrMapOvr>
-</p:sld>
-</file>
-
 <file path=ppt/slides/slide12.xml><?xml version="1.0" encoding="utf-8"?>
 <p:sld xmlns:a="http://schemas.openxmlformats.org/drawingml/2006/main" xmlns:r="http://schemas.openxmlformats.org/officeDocument/2006/relationships" xmlns:p="http://schemas.openxmlformats.org/presentationml/2006/main">
   <p:cSld>
@@ -3749,7 +3994,64 @@
           <a:p>
             <a:r>
               <a:rPr lang="en-US" altLang="zh-TW" dirty="0" smtClean="0"/>
-              <a:t>Demo</a:t>
+              <a:t>Collection</a:t>
+            </a:r>
+            <a:endParaRPr lang="zh-TW" altLang="en-US" dirty="0"/>
+          </a:p>
+        </p:txBody>
+      </p:sp>
+      <p:sp>
+        <p:nvSpPr>
+          <p:cNvPr id="4" name="矩形 3"/>
+          <p:cNvSpPr/>
+          <p:nvPr/>
+        </p:nvSpPr>
+        <p:spPr>
+          <a:xfrm>
+            <a:off x="2286000" y="2828836"/>
+            <a:ext cx="4572000" cy="923330"/>
+          </a:xfrm>
+          <a:prstGeom prst="rect">
+            <a:avLst/>
+          </a:prstGeom>
+        </p:spPr>
+        <p:txBody>
+          <a:bodyPr>
+            <a:spAutoFit/>
+          </a:bodyPr>
+          <a:lstStyle/>
+          <a:p>
+            <a:r>
+              <a:rPr lang="en-US" altLang="zh-TW" dirty="0" err="1"/>
+              <a:t>var</a:t>
+            </a:r>
+            <a:r>
+              <a:rPr lang="en-US" altLang="zh-TW" dirty="0"/>
+              <a:t> Users = </a:t>
+            </a:r>
+            <a:r>
+              <a:rPr lang="en-US" altLang="zh-TW" dirty="0" err="1"/>
+              <a:t>Backbone.Collection.extend</a:t>
+            </a:r>
+            <a:r>
+              <a:rPr lang="en-US" altLang="zh-TW" dirty="0"/>
+              <a:t>({</a:t>
+            </a:r>
+          </a:p>
+          <a:p>
+            <a:r>
+              <a:rPr lang="en-US" altLang="zh-TW" dirty="0"/>
+              <a:t>    model: </a:t>
+            </a:r>
+            <a:r>
+              <a:rPr lang="en-US" altLang="zh-TW" dirty="0" smtClean="0"/>
+              <a:t>User</a:t>
+            </a:r>
+          </a:p>
+          <a:p>
+            <a:r>
+              <a:rPr lang="en-US" altLang="zh-TW" dirty="0" smtClean="0"/>
+              <a:t>});</a:t>
             </a:r>
             <a:endParaRPr lang="zh-TW" altLang="en-US" dirty="0"/>
           </a:p>
@@ -3758,7 +4060,7 @@
     </p:spTree>
     <p:extLst>
       <p:ext uri="{BB962C8B-B14F-4D97-AF65-F5344CB8AC3E}">
-        <p14:creationId xmlns:p14="http://schemas.microsoft.com/office/powerpoint/2010/main" val="4249147728"/>
+        <p14:creationId xmlns:p14="http://schemas.microsoft.com/office/powerpoint/2010/main" val="2449310176"/>
       </p:ext>
     </p:extLst>
   </p:cSld>
@@ -3801,6 +4103,59 @@
           <a:lstStyle/>
           <a:p>
             <a:r>
+              <a:rPr lang="en-US" altLang="zh-TW" dirty="0" smtClean="0"/>
+              <a:t>Demo</a:t>
+            </a:r>
+            <a:endParaRPr lang="zh-TW" altLang="en-US" dirty="0"/>
+          </a:p>
+        </p:txBody>
+      </p:sp>
+    </p:spTree>
+    <p:extLst>
+      <p:ext uri="{BB962C8B-B14F-4D97-AF65-F5344CB8AC3E}">
+        <p14:creationId xmlns:p14="http://schemas.microsoft.com/office/powerpoint/2010/main" val="4249147728"/>
+      </p:ext>
+    </p:extLst>
+  </p:cSld>
+  <p:clrMapOvr>
+    <a:masterClrMapping/>
+  </p:clrMapOvr>
+</p:sld>
+</file>
+
+<file path=ppt/slides/slide14.xml><?xml version="1.0" encoding="utf-8"?>
+<p:sld xmlns:a="http://schemas.openxmlformats.org/drawingml/2006/main" xmlns:r="http://schemas.openxmlformats.org/officeDocument/2006/relationships" xmlns:p="http://schemas.openxmlformats.org/presentationml/2006/main">
+  <p:cSld>
+    <p:spTree>
+      <p:nvGrpSpPr>
+        <p:cNvPr id="1" name=""/>
+        <p:cNvGrpSpPr/>
+        <p:nvPr/>
+      </p:nvGrpSpPr>
+      <p:grpSpPr>
+        <a:xfrm>
+          <a:off x="0" y="0"/>
+          <a:ext cx="0" cy="0"/>
+          <a:chOff x="0" y="0"/>
+          <a:chExt cx="0" cy="0"/>
+        </a:xfrm>
+      </p:grpSpPr>
+      <p:sp>
+        <p:nvSpPr>
+          <p:cNvPr id="2" name="標題 1"/>
+          <p:cNvSpPr>
+            <a:spLocks noGrp="1"/>
+          </p:cNvSpPr>
+          <p:nvPr>
+            <p:ph type="title"/>
+          </p:nvPr>
+        </p:nvSpPr>
+        <p:spPr/>
+        <p:txBody>
+          <a:bodyPr/>
+          <a:lstStyle/>
+          <a:p>
+            <a:r>
               <a:rPr lang="zh-TW" altLang="en-US" dirty="0" smtClean="0"/>
               <a:t>優點</a:t>
             </a:r>
@@ -3920,6 +4275,129 @@
 </file>
 
 <file path=ppt/slides/slide2.xml><?xml version="1.0" encoding="utf-8"?>
+<p:sld xmlns:a="http://schemas.openxmlformats.org/drawingml/2006/main" xmlns:r="http://schemas.openxmlformats.org/officeDocument/2006/relationships" xmlns:p="http://schemas.openxmlformats.org/presentationml/2006/main">
+  <p:cSld>
+    <p:spTree>
+      <p:nvGrpSpPr>
+        <p:cNvPr id="1" name=""/>
+        <p:cNvGrpSpPr/>
+        <p:nvPr/>
+      </p:nvGrpSpPr>
+      <p:grpSpPr>
+        <a:xfrm>
+          <a:off x="0" y="0"/>
+          <a:ext cx="0" cy="0"/>
+          <a:chOff x="0" y="0"/>
+          <a:chExt cx="0" cy="0"/>
+        </a:xfrm>
+      </p:grpSpPr>
+      <p:sp>
+        <p:nvSpPr>
+          <p:cNvPr id="5" name="矩形 4"/>
+          <p:cNvSpPr/>
+          <p:nvPr/>
+        </p:nvSpPr>
+        <p:spPr>
+          <a:xfrm>
+            <a:off x="1547664" y="2732727"/>
+            <a:ext cx="6120680" cy="1200329"/>
+          </a:xfrm>
+          <a:prstGeom prst="rect">
+            <a:avLst/>
+          </a:prstGeom>
+        </p:spPr>
+        <p:txBody>
+          <a:bodyPr wrap="square">
+            <a:spAutoFit/>
+          </a:bodyPr>
+          <a:lstStyle/>
+          <a:p>
+            <a:r>
+              <a:rPr lang="zh-TW" altLang="en-US" dirty="0">
+                <a:latin typeface="Adobe 宋体 Std L" pitchFamily="18" charset="-128"/>
+                <a:ea typeface="Adobe 宋体 Std L" pitchFamily="18" charset="-128"/>
+              </a:rPr>
+              <a:t>你要經常想著，那個最終維護你代碼的人可能將是一個有暴力傾向的瘋子，並且他還知道你住在哪裡</a:t>
+            </a:r>
+            <a:r>
+              <a:rPr lang="zh-TW" altLang="en-US" dirty="0" smtClean="0">
+                <a:latin typeface="Adobe 宋体 Std L" pitchFamily="18" charset="-128"/>
+                <a:ea typeface="Adobe 宋体 Std L" pitchFamily="18" charset="-128"/>
+              </a:rPr>
+              <a:t>。</a:t>
+            </a:r>
+            <a:endParaRPr lang="en-US" altLang="zh-TW" dirty="0" smtClean="0">
+              <a:latin typeface="Adobe 宋体 Std L" pitchFamily="18" charset="-128"/>
+              <a:ea typeface="Adobe 宋体 Std L" pitchFamily="18" charset="-128"/>
+            </a:endParaRPr>
+          </a:p>
+          <a:p>
+            <a:endParaRPr lang="en-US" altLang="zh-TW" dirty="0">
+              <a:latin typeface="Adobe 宋体 Std L" pitchFamily="18" charset="-128"/>
+              <a:ea typeface="Adobe 宋体 Std L" pitchFamily="18" charset="-128"/>
+            </a:endParaRPr>
+          </a:p>
+          <a:p>
+            <a:pPr algn="r"/>
+            <a:r>
+              <a:rPr lang="en-US" altLang="zh-TW" dirty="0" smtClean="0">
+                <a:latin typeface="Adobe 宋体 Std L" pitchFamily="18" charset="-128"/>
+                <a:ea typeface="Adobe 宋体 Std L" pitchFamily="18" charset="-128"/>
+              </a:rPr>
+              <a:t>— </a:t>
+            </a:r>
+            <a:r>
+              <a:rPr lang="zh-TW" altLang="en-US" dirty="0">
+                <a:latin typeface="Adobe 宋体 Std L" pitchFamily="18" charset="-128"/>
+                <a:ea typeface="Adobe 宋体 Std L" pitchFamily="18" charset="-128"/>
+              </a:rPr>
+              <a:t>裡</a:t>
+            </a:r>
+            <a:r>
+              <a:rPr lang="zh-TW" altLang="en-US" dirty="0" smtClean="0">
+                <a:latin typeface="Adobe 宋体 Std L" pitchFamily="18" charset="-128"/>
+                <a:ea typeface="Adobe 宋体 Std L" pitchFamily="18" charset="-128"/>
+              </a:rPr>
+              <a:t>克</a:t>
+            </a:r>
+            <a:r>
+              <a:rPr lang="en-US" altLang="zh-TW" dirty="0" smtClean="0">
+                <a:latin typeface="Adobe 宋体 Std L" pitchFamily="18" charset="-128"/>
+                <a:ea typeface="Adobe 宋体 Std L" pitchFamily="18" charset="-128"/>
+              </a:rPr>
+              <a:t>.</a:t>
+            </a:r>
+            <a:r>
+              <a:rPr lang="zh-TW" altLang="en-US" dirty="0" smtClean="0">
+                <a:latin typeface="Adobe 宋体 Std L" pitchFamily="18" charset="-128"/>
+                <a:ea typeface="Adobe 宋体 Std L" pitchFamily="18" charset="-128"/>
+              </a:rPr>
+              <a:t>奧</a:t>
+            </a:r>
+            <a:r>
+              <a:rPr lang="zh-TW" altLang="en-US" dirty="0">
+                <a:latin typeface="Adobe 宋体 Std L" pitchFamily="18" charset="-128"/>
+                <a:ea typeface="Adobe 宋体 Std L" pitchFamily="18" charset="-128"/>
+              </a:rPr>
+              <a:t>斯本</a:t>
+            </a:r>
+          </a:p>
+        </p:txBody>
+      </p:sp>
+    </p:spTree>
+    <p:extLst>
+      <p:ext uri="{BB962C8B-B14F-4D97-AF65-F5344CB8AC3E}">
+        <p14:creationId xmlns:p14="http://schemas.microsoft.com/office/powerpoint/2010/main" val="298137641"/>
+      </p:ext>
+    </p:extLst>
+  </p:cSld>
+  <p:clrMapOvr>
+    <a:masterClrMapping/>
+  </p:clrMapOvr>
+</p:sld>
+</file>
+
+<file path=ppt/slides/slide3.xml><?xml version="1.0" encoding="utf-8"?>
 <p:sld xmlns:a="http://schemas.openxmlformats.org/drawingml/2006/main" xmlns:r="http://schemas.openxmlformats.org/officeDocument/2006/relationships" xmlns:p="http://schemas.openxmlformats.org/presentationml/2006/main">
   <p:cSld>
     <p:spTree>
@@ -4077,7 +4555,7 @@
 </p:sld>
 </file>
 
-<file path=ppt/slides/slide3.xml><?xml version="1.0" encoding="utf-8"?>
+<file path=ppt/slides/slide4.xml><?xml version="1.0" encoding="utf-8"?>
 <p:sld xmlns:a="http://schemas.openxmlformats.org/drawingml/2006/main" xmlns:r="http://schemas.openxmlformats.org/officeDocument/2006/relationships" xmlns:p="http://schemas.openxmlformats.org/presentationml/2006/main">
   <p:cSld>
     <p:spTree>
@@ -4199,7 +4677,7 @@
 </p:sld>
 </file>
 
-<file path=ppt/slides/slide4.xml><?xml version="1.0" encoding="utf-8"?>
+<file path=ppt/slides/slide5.xml><?xml version="1.0" encoding="utf-8"?>
 <p:sld xmlns:a="http://schemas.openxmlformats.org/drawingml/2006/main" xmlns:r="http://schemas.openxmlformats.org/officeDocument/2006/relationships" xmlns:p="http://schemas.openxmlformats.org/presentationml/2006/main">
   <p:cSld>
     <p:spTree>
@@ -5063,140 +5541,6 @@
 </p:sld>
 </file>
 
-<file path=ppt/slides/slide5.xml><?xml version="1.0" encoding="utf-8"?>
-<p:sld xmlns:a="http://schemas.openxmlformats.org/drawingml/2006/main" xmlns:r="http://schemas.openxmlformats.org/officeDocument/2006/relationships" xmlns:p="http://schemas.openxmlformats.org/presentationml/2006/main">
-  <p:cSld>
-    <p:spTree>
-      <p:nvGrpSpPr>
-        <p:cNvPr id="1" name=""/>
-        <p:cNvGrpSpPr/>
-        <p:nvPr/>
-      </p:nvGrpSpPr>
-      <p:grpSpPr>
-        <a:xfrm>
-          <a:off x="0" y="0"/>
-          <a:ext cx="0" cy="0"/>
-          <a:chOff x="0" y="0"/>
-          <a:chExt cx="0" cy="0"/>
-        </a:xfrm>
-      </p:grpSpPr>
-      <p:sp>
-        <p:nvSpPr>
-          <p:cNvPr id="2" name="標題 1"/>
-          <p:cNvSpPr>
-            <a:spLocks noGrp="1"/>
-          </p:cNvSpPr>
-          <p:nvPr>
-            <p:ph type="title"/>
-          </p:nvPr>
-        </p:nvSpPr>
-        <p:spPr/>
-        <p:txBody>
-          <a:bodyPr/>
-          <a:lstStyle/>
-          <a:p>
-            <a:r>
-              <a:rPr lang="zh-TW" altLang="en-US" dirty="0" smtClean="0"/>
-              <a:t>上路</a:t>
-            </a:r>
-            <a:endParaRPr lang="zh-TW" altLang="en-US" dirty="0"/>
-          </a:p>
-        </p:txBody>
-      </p:sp>
-      <p:sp>
-        <p:nvSpPr>
-          <p:cNvPr id="3" name="內容版面配置區 2"/>
-          <p:cNvSpPr>
-            <a:spLocks noGrp="1"/>
-          </p:cNvSpPr>
-          <p:nvPr>
-            <p:ph idx="1"/>
-          </p:nvPr>
-        </p:nvSpPr>
-        <p:spPr/>
-        <p:txBody>
-          <a:bodyPr/>
-          <a:lstStyle/>
-          <a:p>
-            <a:r>
-              <a:rPr lang="zh-TW" altLang="en-US" dirty="0" smtClean="0"/>
-              <a:t>載入</a:t>
-            </a:r>
-            <a:r>
-              <a:rPr lang="en-US" altLang="zh-TW" dirty="0" smtClean="0"/>
-              <a:t>underscore.js</a:t>
-            </a:r>
-          </a:p>
-          <a:p>
-            <a:r>
-              <a:rPr lang="zh-TW" altLang="en-US" dirty="0" smtClean="0"/>
-              <a:t>可以只用</a:t>
-            </a:r>
-            <a:r>
-              <a:rPr lang="en-US" altLang="zh-TW" dirty="0" smtClean="0"/>
-              <a:t>Event, Model</a:t>
-            </a:r>
-            <a:r>
-              <a:rPr lang="zh-TW" altLang="en-US" dirty="0" smtClean="0"/>
-              <a:t>或</a:t>
-            </a:r>
-            <a:r>
-              <a:rPr lang="en-US" altLang="zh-TW" dirty="0" smtClean="0"/>
-              <a:t>View</a:t>
-            </a:r>
-          </a:p>
-          <a:p>
-            <a:r>
-              <a:rPr lang="zh-TW" altLang="en-US" dirty="0" smtClean="0"/>
-              <a:t>使用</a:t>
-            </a:r>
-            <a:r>
-              <a:rPr lang="en-US" altLang="zh-TW" dirty="0" smtClean="0"/>
-              <a:t>View</a:t>
-            </a:r>
-            <a:r>
-              <a:rPr lang="zh-TW" altLang="en-US" dirty="0" smtClean="0"/>
-              <a:t>，需搭配</a:t>
-            </a:r>
-            <a:r>
-              <a:rPr lang="en-US" altLang="zh-TW" dirty="0" smtClean="0"/>
-              <a:t>Dom Library (</a:t>
-            </a:r>
-            <a:r>
-              <a:rPr lang="en-US" altLang="zh-TW" dirty="0" err="1" smtClean="0"/>
-              <a:t>jQuery</a:t>
-            </a:r>
-            <a:r>
-              <a:rPr lang="en-US" altLang="zh-TW" dirty="0" smtClean="0"/>
-              <a:t>)</a:t>
-            </a:r>
-          </a:p>
-          <a:p>
-            <a:r>
-              <a:rPr lang="zh-TW" altLang="en-US" dirty="0" smtClean="0"/>
-              <a:t>資料同步不一定要用到</a:t>
-            </a:r>
-            <a:r>
-              <a:rPr lang="en-US" altLang="zh-TW" dirty="0" smtClean="0"/>
-              <a:t>Database</a:t>
-            </a:r>
-            <a:endParaRPr lang="zh-TW" altLang="en-US" dirty="0"/>
-          </a:p>
-        </p:txBody>
-      </p:sp>
-    </p:spTree>
-    <p:extLst>
-      <p:ext uri="{BB962C8B-B14F-4D97-AF65-F5344CB8AC3E}">
-        <p14:creationId xmlns:p14="http://schemas.microsoft.com/office/powerpoint/2010/main" val="1110622583"/>
-      </p:ext>
-    </p:extLst>
-  </p:cSld>
-  <p:clrMapOvr>
-    <a:masterClrMapping/>
-  </p:clrMapOvr>
-</p:sld>
-</file>
-
 <file path=ppt/slides/slide6.xml><?xml version="1.0" encoding="utf-8"?>
 <p:sld xmlns:a="http://schemas.openxmlformats.org/drawingml/2006/main" xmlns:r="http://schemas.openxmlformats.org/officeDocument/2006/relationships" xmlns:p="http://schemas.openxmlformats.org/presentationml/2006/main">
   <p:cSld>
@@ -5231,11 +5575,7 @@
           <a:p>
             <a:r>
               <a:rPr lang="zh-TW" altLang="en-US" dirty="0" smtClean="0"/>
-              <a:t>基本流程</a:t>
-            </a:r>
-            <a:r>
-              <a:rPr lang="en-US" altLang="zh-TW" dirty="0" smtClean="0"/>
-              <a:t>	</a:t>
+              <a:t>上路</a:t>
             </a:r>
             <a:endParaRPr lang="zh-TW" altLang="en-US" dirty="0"/>
           </a:p>
@@ -5258,80 +5598,74 @@
           <a:p>
             <a:r>
               <a:rPr lang="zh-TW" altLang="en-US" dirty="0" smtClean="0"/>
-              <a:t>定義</a:t>
+              <a:t>載入</a:t>
+            </a:r>
+            <a:r>
+              <a:rPr lang="en-US" altLang="zh-TW" dirty="0" smtClean="0"/>
+              <a:t>underscore.js</a:t>
+            </a:r>
+          </a:p>
+          <a:p>
+            <a:r>
+              <a:rPr lang="zh-TW" altLang="en-US" dirty="0" smtClean="0"/>
+              <a:t>可以只用</a:t>
+            </a:r>
+            <a:r>
+              <a:rPr lang="en-US" altLang="zh-TW" dirty="0" smtClean="0"/>
+              <a:t>Event, Model</a:t>
+            </a:r>
+            <a:r>
+              <a:rPr lang="zh-TW" altLang="en-US" dirty="0" smtClean="0"/>
+              <a:t>或</a:t>
+            </a:r>
+            <a:r>
+              <a:rPr lang="en-US" altLang="zh-TW" dirty="0" smtClean="0"/>
+              <a:t>View</a:t>
+            </a:r>
+          </a:p>
+          <a:p>
+            <a:r>
+              <a:rPr lang="zh-TW" altLang="en-US" dirty="0" smtClean="0"/>
+              <a:t>使用</a:t>
+            </a:r>
+            <a:r>
+              <a:rPr lang="en-US" altLang="zh-TW" dirty="0" smtClean="0"/>
+              <a:t>View</a:t>
+            </a:r>
+            <a:r>
+              <a:rPr lang="zh-TW" altLang="en-US" dirty="0" smtClean="0"/>
+              <a:t>，需搭配</a:t>
+            </a:r>
+            <a:r>
+              <a:rPr lang="en-US" altLang="zh-TW" dirty="0" smtClean="0"/>
+              <a:t>Dom Library (</a:t>
             </a:r>
             <a:r>
               <a:rPr lang="en-US" altLang="zh-TW" dirty="0" err="1" smtClean="0"/>
-              <a:t>ui</a:t>
-            </a:r>
+              <a:t>jQuery</a:t>
+            </a:r>
+            <a:r>
+              <a:rPr lang="en-US" altLang="zh-TW" dirty="0" smtClean="0"/>
+              <a:t>)</a:t>
+            </a:r>
+          </a:p>
+          <a:p>
             <a:r>
               <a:rPr lang="zh-TW" altLang="en-US" dirty="0" smtClean="0"/>
-              <a:t>及</a:t>
-            </a:r>
-            <a:r>
-              <a:rPr lang="en-US" altLang="zh-TW" dirty="0" smtClean="0"/>
-              <a:t>Template</a:t>
-            </a:r>
-          </a:p>
-          <a:p>
-            <a:r>
-              <a:rPr lang="zh-TW" altLang="en-US" dirty="0" smtClean="0"/>
-              <a:t>定義</a:t>
-            </a:r>
-            <a:r>
-              <a:rPr lang="en-US" altLang="zh-TW" dirty="0" smtClean="0"/>
-              <a:t>Router</a:t>
-            </a:r>
-          </a:p>
-          <a:p>
-            <a:r>
-              <a:rPr lang="zh-TW" altLang="en-US" dirty="0" smtClean="0"/>
-              <a:t>定義</a:t>
-            </a:r>
-            <a:r>
-              <a:rPr lang="en-US" altLang="zh-TW" dirty="0" smtClean="0"/>
-              <a:t>View</a:t>
-            </a:r>
-            <a:r>
-              <a:rPr lang="zh-TW" altLang="en-US" dirty="0" smtClean="0"/>
-              <a:t>及事件</a:t>
-            </a:r>
-            <a:endParaRPr lang="en-US" altLang="zh-TW" dirty="0" smtClean="0"/>
-          </a:p>
-          <a:p>
-            <a:r>
-              <a:rPr lang="zh-TW" altLang="en-US" dirty="0" smtClean="0"/>
-              <a:t>定義</a:t>
-            </a:r>
-            <a:r>
-              <a:rPr lang="en-US" altLang="zh-TW" dirty="0" smtClean="0"/>
-              <a:t>Model (Collection)</a:t>
-            </a:r>
-            <a:endParaRPr lang="en-US" altLang="zh-TW" dirty="0"/>
-          </a:p>
-          <a:p>
-            <a:r>
-              <a:rPr lang="zh-TW" altLang="en-US" dirty="0" smtClean="0"/>
-              <a:t>整合所有類別</a:t>
-            </a:r>
-            <a:endParaRPr lang="en-US" altLang="zh-TW" dirty="0" smtClean="0"/>
-          </a:p>
-          <a:p>
-            <a:r>
-              <a:rPr lang="zh-TW" altLang="en-US" dirty="0" smtClean="0"/>
-              <a:t>執行程</a:t>
-            </a:r>
-            <a:r>
-              <a:rPr lang="zh-TW" altLang="en-US" dirty="0"/>
-              <a:t>式</a:t>
-            </a:r>
+              <a:t>資料同步不一定要用到</a:t>
+            </a:r>
+            <a:r>
+              <a:rPr lang="en-US" altLang="zh-TW" dirty="0" smtClean="0"/>
+              <a:t>Database</a:t>
+            </a:r>
+            <a:endParaRPr lang="zh-TW" altLang="en-US" dirty="0"/>
           </a:p>
         </p:txBody>
       </p:sp>
     </p:spTree>
     <p:extLst>
       <p:ext uri="{BB962C8B-B14F-4D97-AF65-F5344CB8AC3E}">
-        <p14:creationId xmlns:p14="http://schemas.microsoft.com/office/powerpoint/2010/main" val="3551707254"/>
+        <p14:creationId xmlns:p14="http://schemas.microsoft.com/office/powerpoint/2010/main" val="1110622583"/>
       </p:ext>
     </p:extLst>
   </p:cSld>
@@ -5375,11 +5709,11 @@
           <a:p>
             <a:r>
               <a:rPr lang="zh-TW" altLang="en-US" dirty="0" smtClean="0"/>
-              <a:t>程式碼 基本形式 </a:t>
-            </a:r>
-            <a:r>
-              <a:rPr lang="en-US" altLang="zh-TW" dirty="0" smtClean="0"/>
-              <a:t>(index.html)</a:t>
+              <a:t>基本流程</a:t>
+            </a:r>
+            <a:r>
+              <a:rPr lang="en-US" altLang="zh-TW" dirty="0" smtClean="0"/>
+              <a:t>	</a:t>
             </a:r>
             <a:endParaRPr lang="zh-TW" altLang="en-US" dirty="0"/>
           </a:p>
@@ -5387,303 +5721,95 @@
       </p:sp>
       <p:sp>
         <p:nvSpPr>
-          <p:cNvPr id="5" name="矩形 4"/>
-          <p:cNvSpPr/>
-          <p:nvPr/>
-        </p:nvSpPr>
-        <p:spPr>
-          <a:xfrm>
-            <a:off x="2051720" y="2060848"/>
-            <a:ext cx="5328592" cy="4185761"/>
-          </a:xfrm>
-          <a:prstGeom prst="rect">
-            <a:avLst/>
-          </a:prstGeom>
-        </p:spPr>
-        <p:txBody>
-          <a:bodyPr wrap="square">
-            <a:spAutoFit/>
-          </a:bodyPr>
-          <a:lstStyle/>
-          <a:p>
-            <a:r>
-              <a:rPr lang="en-US" altLang="zh-TW" sz="1400" dirty="0"/>
-              <a:t>&lt;!DOCTYPE html&gt;</a:t>
-            </a:r>
-          </a:p>
-          <a:p>
-            <a:r>
-              <a:rPr lang="en-US" altLang="zh-TW" sz="1400" dirty="0"/>
-              <a:t>&lt;html&gt;</a:t>
-            </a:r>
-          </a:p>
-          <a:p>
-            <a:r>
-              <a:rPr lang="en-US" altLang="zh-TW" sz="1400" dirty="0"/>
-              <a:t>&lt;head</a:t>
-            </a:r>
-            <a:r>
-              <a:rPr lang="en-US" altLang="zh-TW" sz="1400" dirty="0" smtClean="0"/>
-              <a:t>&gt;</a:t>
-            </a:r>
-          </a:p>
-          <a:p>
-            <a:r>
-              <a:rPr lang="en-US" altLang="zh-TW" sz="1400" dirty="0" smtClean="0"/>
-              <a:t>&lt;link </a:t>
-            </a:r>
-            <a:r>
-              <a:rPr lang="en-US" altLang="zh-TW" sz="1400" dirty="0" err="1" smtClean="0"/>
-              <a:t>href</a:t>
-            </a:r>
-            <a:r>
-              <a:rPr lang="en-US" altLang="zh-TW" sz="1400" dirty="0" smtClean="0"/>
-              <a:t>="</a:t>
-            </a:r>
-            <a:r>
-              <a:rPr lang="en-US" altLang="zh-TW" sz="1400" dirty="0" err="1" smtClean="0"/>
-              <a:t>css</a:t>
-            </a:r>
-            <a:r>
-              <a:rPr lang="en-US" altLang="zh-TW" sz="1400" dirty="0" smtClean="0"/>
-              <a:t>/style.css" media="screen" </a:t>
-            </a:r>
-            <a:r>
-              <a:rPr lang="en-US" altLang="zh-TW" sz="1400" dirty="0" err="1" smtClean="0"/>
-              <a:t>rel</a:t>
-            </a:r>
-            <a:r>
-              <a:rPr lang="en-US" altLang="zh-TW" sz="1400" dirty="0" smtClean="0"/>
-              <a:t>="</a:t>
-            </a:r>
-            <a:r>
-              <a:rPr lang="en-US" altLang="zh-TW" sz="1400" dirty="0" err="1" smtClean="0"/>
-              <a:t>stylesheet</a:t>
-            </a:r>
-            <a:r>
-              <a:rPr lang="en-US" altLang="zh-TW" sz="1400" dirty="0" smtClean="0"/>
-              <a:t>" type="text/</a:t>
-            </a:r>
-            <a:r>
-              <a:rPr lang="en-US" altLang="zh-TW" sz="1400" dirty="0" err="1" smtClean="0"/>
-              <a:t>css</a:t>
-            </a:r>
-            <a:r>
-              <a:rPr lang="en-US" altLang="zh-TW" sz="1400" dirty="0" smtClean="0"/>
-              <a:t>" /&gt;</a:t>
-            </a:r>
-          </a:p>
-          <a:p>
-            <a:r>
-              <a:rPr lang="en-US" altLang="zh-TW" sz="1400" dirty="0" smtClean="0"/>
-              <a:t>&lt;/</a:t>
-            </a:r>
-            <a:r>
-              <a:rPr lang="en-US" altLang="zh-TW" sz="1400" dirty="0"/>
-              <a:t>head</a:t>
-            </a:r>
-            <a:r>
-              <a:rPr lang="en-US" altLang="zh-TW" sz="1400" dirty="0" smtClean="0"/>
-              <a:t>&gt;</a:t>
-            </a:r>
-            <a:endParaRPr lang="en-US" altLang="zh-TW" sz="1400" dirty="0"/>
-          </a:p>
-          <a:p>
-            <a:r>
-              <a:rPr lang="en-US" altLang="zh-TW" sz="1400" dirty="0" smtClean="0"/>
-              <a:t>&lt;</a:t>
-            </a:r>
-            <a:r>
-              <a:rPr lang="en-US" altLang="zh-TW" sz="1400" dirty="0"/>
-              <a:t>body&gt;  </a:t>
-            </a:r>
-          </a:p>
-          <a:p>
-            <a:r>
-              <a:rPr lang="en-US" altLang="zh-TW" sz="1400" dirty="0"/>
-              <a:t>    &lt;script type="text/template" id</a:t>
-            </a:r>
-            <a:r>
-              <a:rPr lang="en-US" altLang="zh-TW" sz="1400" dirty="0" smtClean="0"/>
-              <a:t>=“View-template</a:t>
-            </a:r>
-            <a:r>
-              <a:rPr lang="en-US" altLang="zh-TW" sz="1400" dirty="0"/>
-              <a:t>"&gt;</a:t>
-            </a:r>
-          </a:p>
-          <a:p>
-            <a:r>
-              <a:rPr lang="en-US" altLang="zh-TW" sz="1400" dirty="0" smtClean="0"/>
-              <a:t>…</a:t>
-            </a:r>
-            <a:endParaRPr lang="en-US" altLang="zh-TW" sz="1400" dirty="0"/>
-          </a:p>
-          <a:p>
-            <a:r>
-              <a:rPr lang="en-US" altLang="zh-TW" sz="1400" dirty="0"/>
-              <a:t>    &lt;/script</a:t>
-            </a:r>
-            <a:r>
-              <a:rPr lang="en-US" altLang="zh-TW" sz="1400" dirty="0" smtClean="0"/>
-              <a:t>&gt;</a:t>
-            </a:r>
-          </a:p>
-          <a:p>
-            <a:endParaRPr lang="en-US" altLang="zh-TW" sz="1400" dirty="0" smtClean="0"/>
-          </a:p>
-          <a:p>
-            <a:r>
-              <a:rPr lang="en-US" altLang="zh-TW" sz="1400" dirty="0" smtClean="0"/>
-              <a:t>&lt;</a:t>
-            </a:r>
-            <a:r>
-              <a:rPr lang="en-US" altLang="zh-TW" sz="1400" dirty="0"/>
-              <a:t>script </a:t>
-            </a:r>
-            <a:r>
-              <a:rPr lang="en-US" altLang="zh-TW" sz="1400" dirty="0" err="1"/>
-              <a:t>src</a:t>
-            </a:r>
-            <a:r>
-              <a:rPr lang="en-US" altLang="zh-TW" sz="1400" dirty="0"/>
-              <a:t>="</a:t>
-            </a:r>
-            <a:r>
-              <a:rPr lang="en-US" altLang="zh-TW" sz="1400" dirty="0" err="1"/>
-              <a:t>js</a:t>
-            </a:r>
-            <a:r>
-              <a:rPr lang="en-US" altLang="zh-TW" sz="1400" dirty="0"/>
-              <a:t>/jquery-1.7.2.min.js"&gt;&lt;/script&gt;</a:t>
-            </a:r>
-          </a:p>
-          <a:p>
-            <a:r>
-              <a:rPr lang="en-US" altLang="zh-TW" sz="1400" dirty="0" smtClean="0"/>
-              <a:t>&lt;</a:t>
-            </a:r>
-            <a:r>
-              <a:rPr lang="en-US" altLang="zh-TW" sz="1400" dirty="0"/>
-              <a:t>script </a:t>
-            </a:r>
-            <a:r>
-              <a:rPr lang="en-US" altLang="zh-TW" sz="1400" dirty="0" err="1"/>
-              <a:t>src</a:t>
-            </a:r>
-            <a:r>
-              <a:rPr lang="en-US" altLang="zh-TW" sz="1400" dirty="0"/>
-              <a:t>="</a:t>
-            </a:r>
-            <a:r>
-              <a:rPr lang="en-US" altLang="zh-TW" sz="1400" dirty="0" err="1"/>
-              <a:t>js</a:t>
-            </a:r>
-            <a:r>
-              <a:rPr lang="en-US" altLang="zh-TW" sz="1400" dirty="0"/>
-              <a:t>/underscore-1.3.1.js"&gt;&lt;/script&gt;</a:t>
-            </a:r>
-          </a:p>
-          <a:p>
-            <a:r>
-              <a:rPr lang="en-US" altLang="zh-TW" sz="1400" dirty="0" smtClean="0"/>
-              <a:t>&lt;</a:t>
-            </a:r>
-            <a:r>
-              <a:rPr lang="en-US" altLang="zh-TW" sz="1400" dirty="0"/>
-              <a:t>script </a:t>
-            </a:r>
-            <a:r>
-              <a:rPr lang="en-US" altLang="zh-TW" sz="1400" dirty="0" err="1"/>
-              <a:t>src</a:t>
-            </a:r>
-            <a:r>
-              <a:rPr lang="en-US" altLang="zh-TW" sz="1400" dirty="0"/>
-              <a:t>="</a:t>
-            </a:r>
-            <a:r>
-              <a:rPr lang="en-US" altLang="zh-TW" sz="1400" dirty="0" err="1"/>
-              <a:t>js</a:t>
-            </a:r>
-            <a:r>
-              <a:rPr lang="en-US" altLang="zh-TW" sz="1400" dirty="0"/>
-              <a:t>/backbone.js"&gt;&lt;/script&gt;</a:t>
-            </a:r>
-          </a:p>
-          <a:p>
-            <a:r>
-              <a:rPr lang="en-US" altLang="zh-TW" sz="1400" dirty="0" smtClean="0"/>
-              <a:t>&lt;</a:t>
-            </a:r>
-            <a:r>
-              <a:rPr lang="en-US" altLang="zh-TW" sz="1400" dirty="0"/>
-              <a:t>script </a:t>
-            </a:r>
-            <a:r>
-              <a:rPr lang="en-US" altLang="zh-TW" sz="1400" dirty="0" err="1"/>
-              <a:t>src</a:t>
-            </a:r>
-            <a:r>
-              <a:rPr lang="en-US" altLang="zh-TW" sz="1400" dirty="0"/>
-              <a:t>="</a:t>
-            </a:r>
-            <a:r>
-              <a:rPr lang="en-US" altLang="zh-TW" sz="1400" dirty="0" err="1"/>
-              <a:t>js</a:t>
-            </a:r>
-            <a:r>
-              <a:rPr lang="en-US" altLang="zh-TW" sz="1400" dirty="0"/>
-              <a:t>/backbone.localstorage.js"&gt;&lt;/script&gt;</a:t>
-            </a:r>
-          </a:p>
-          <a:p>
-            <a:r>
-              <a:rPr lang="en-US" altLang="zh-TW" sz="1400" dirty="0"/>
-              <a:t>&lt;script </a:t>
-            </a:r>
-            <a:r>
-              <a:rPr lang="en-US" altLang="zh-TW" sz="1400" dirty="0" err="1"/>
-              <a:t>src</a:t>
-            </a:r>
-            <a:r>
-              <a:rPr lang="en-US" altLang="zh-TW" sz="1400" dirty="0"/>
-              <a:t>="</a:t>
-            </a:r>
-            <a:r>
-              <a:rPr lang="en-US" altLang="zh-TW" sz="1400" dirty="0" err="1"/>
-              <a:t>js</a:t>
-            </a:r>
-            <a:r>
-              <a:rPr lang="en-US" altLang="zh-TW" sz="1400" dirty="0"/>
-              <a:t>/app.js"&gt;&lt;/script</a:t>
-            </a:r>
-            <a:r>
-              <a:rPr lang="en-US" altLang="zh-TW" sz="1400" dirty="0" smtClean="0"/>
-              <a:t>&gt;</a:t>
-            </a:r>
-          </a:p>
-          <a:p>
-            <a:endParaRPr lang="en-US" altLang="zh-TW" sz="1400" dirty="0"/>
-          </a:p>
-          <a:p>
-            <a:r>
-              <a:rPr lang="en-US" altLang="zh-TW" sz="1400" dirty="0"/>
-              <a:t>&lt;/body&gt;</a:t>
-            </a:r>
-          </a:p>
-          <a:p>
-            <a:r>
-              <a:rPr lang="en-US" altLang="zh-TW" sz="1400" dirty="0"/>
-              <a:t>&lt;/html&gt;</a:t>
-            </a:r>
-            <a:endParaRPr lang="zh-TW" altLang="en-US" sz="1400" dirty="0"/>
+          <p:cNvPr id="3" name="內容版面配置區 2"/>
+          <p:cNvSpPr>
+            <a:spLocks noGrp="1"/>
+          </p:cNvSpPr>
+          <p:nvPr>
+            <p:ph idx="1"/>
+          </p:nvPr>
+        </p:nvSpPr>
+        <p:spPr/>
+        <p:txBody>
+          <a:bodyPr/>
+          <a:lstStyle/>
+          <a:p>
+            <a:r>
+              <a:rPr lang="zh-TW" altLang="en-US" dirty="0" smtClean="0"/>
+              <a:t>定義</a:t>
+            </a:r>
+            <a:r>
+              <a:rPr lang="en-US" altLang="zh-TW" dirty="0" err="1" smtClean="0"/>
+              <a:t>ui</a:t>
+            </a:r>
+            <a:r>
+              <a:rPr lang="zh-TW" altLang="en-US" dirty="0" smtClean="0"/>
+              <a:t>及</a:t>
+            </a:r>
+            <a:r>
+              <a:rPr lang="en-US" altLang="zh-TW" dirty="0" smtClean="0"/>
+              <a:t>Template</a:t>
+            </a:r>
+          </a:p>
+          <a:p>
+            <a:r>
+              <a:rPr lang="zh-TW" altLang="en-US" dirty="0" smtClean="0"/>
+              <a:t>定義</a:t>
+            </a:r>
+            <a:r>
+              <a:rPr lang="en-US" altLang="zh-TW" dirty="0" smtClean="0"/>
+              <a:t>Router</a:t>
+            </a:r>
+          </a:p>
+          <a:p>
+            <a:r>
+              <a:rPr lang="zh-TW" altLang="en-US" dirty="0" smtClean="0"/>
+              <a:t>定義</a:t>
+            </a:r>
+            <a:r>
+              <a:rPr lang="en-US" altLang="zh-TW" dirty="0" smtClean="0"/>
+              <a:t>View</a:t>
+            </a:r>
+            <a:r>
+              <a:rPr lang="zh-TW" altLang="en-US" dirty="0" smtClean="0"/>
+              <a:t>及事件</a:t>
+            </a:r>
+            <a:endParaRPr lang="en-US" altLang="zh-TW" dirty="0" smtClean="0"/>
+          </a:p>
+          <a:p>
+            <a:r>
+              <a:rPr lang="zh-TW" altLang="en-US" dirty="0" smtClean="0"/>
+              <a:t>定義</a:t>
+            </a:r>
+            <a:r>
+              <a:rPr lang="en-US" altLang="zh-TW" dirty="0" smtClean="0"/>
+              <a:t>Model (Collection)</a:t>
+            </a:r>
+            <a:endParaRPr lang="en-US" altLang="zh-TW" dirty="0"/>
+          </a:p>
+          <a:p>
+            <a:r>
+              <a:rPr lang="zh-TW" altLang="en-US" dirty="0" smtClean="0"/>
+              <a:t>整合所有類別</a:t>
+            </a:r>
+            <a:endParaRPr lang="en-US" altLang="zh-TW" dirty="0" smtClean="0"/>
+          </a:p>
+          <a:p>
+            <a:r>
+              <a:rPr lang="zh-TW" altLang="en-US" dirty="0" smtClean="0"/>
+              <a:t>執行程</a:t>
+            </a:r>
+            <a:r>
+              <a:rPr lang="zh-TW" altLang="en-US" dirty="0"/>
+              <a:t>式</a:t>
+            </a:r>
           </a:p>
         </p:txBody>
       </p:sp>
     </p:spTree>
     <p:extLst>
       <p:ext uri="{BB962C8B-B14F-4D97-AF65-F5344CB8AC3E}">
-        <p14:creationId xmlns:p14="http://schemas.microsoft.com/office/powerpoint/2010/main" val="3506393788"/>
+        <p14:creationId xmlns:p14="http://schemas.microsoft.com/office/powerpoint/2010/main" val="3551707254"/>
       </p:ext>
     </p:extLst>
   </p:cSld>
@@ -5726,8 +5852,12 @@
           <a:lstStyle/>
           <a:p>
             <a:r>
-              <a:rPr lang="en-US" altLang="zh-TW" dirty="0" smtClean="0"/>
-              <a:t>Router</a:t>
+              <a:rPr lang="zh-TW" altLang="en-US" dirty="0" smtClean="0"/>
+              <a:t>程式碼 基本形式 </a:t>
+            </a:r>
+            <a:r>
+              <a:rPr lang="en-US" altLang="zh-TW" dirty="0" smtClean="0"/>
+              <a:t>(index.html)</a:t>
             </a:r>
             <a:endParaRPr lang="zh-TW" altLang="en-US" dirty="0"/>
           </a:p>
@@ -5735,171 +5865,303 @@
       </p:sp>
       <p:sp>
         <p:nvSpPr>
-          <p:cNvPr id="4" name="矩形 3"/>
+          <p:cNvPr id="5" name="矩形 4"/>
           <p:cNvSpPr/>
           <p:nvPr/>
         </p:nvSpPr>
         <p:spPr>
           <a:xfrm>
-            <a:off x="2123728" y="1772816"/>
-            <a:ext cx="4572000" cy="4524315"/>
+            <a:off x="2051720" y="2060848"/>
+            <a:ext cx="5328592" cy="4185761"/>
           </a:xfrm>
           <a:prstGeom prst="rect">
             <a:avLst/>
           </a:prstGeom>
         </p:spPr>
         <p:txBody>
-          <a:bodyPr>
+          <a:bodyPr wrap="square">
             <a:spAutoFit/>
           </a:bodyPr>
           <a:lstStyle/>
           <a:p>
             <a:r>
-              <a:rPr lang="en-US" altLang="zh-TW" dirty="0" err="1"/>
-              <a:t>var</a:t>
-            </a:r>
-            <a:r>
-              <a:rPr lang="en-US" altLang="zh-TW" dirty="0"/>
-              <a:t> App = </a:t>
-            </a:r>
-            <a:r>
-              <a:rPr lang="en-US" altLang="zh-TW" dirty="0" err="1"/>
-              <a:t>Backbone.Router.extend</a:t>
-            </a:r>
-            <a:r>
-              <a:rPr lang="en-US" altLang="zh-TW" dirty="0"/>
-              <a:t>({</a:t>
-            </a:r>
-          </a:p>
-          <a:p>
-            <a:r>
-              <a:rPr lang="en-US" altLang="zh-TW" dirty="0"/>
-              <a:t>    routes: {</a:t>
-            </a:r>
-          </a:p>
-          <a:p>
-            <a:r>
-              <a:rPr lang="en-US" altLang="zh-TW" dirty="0"/>
-              <a:t>        '': 'home',</a:t>
-            </a:r>
-          </a:p>
-          <a:p>
-            <a:r>
-              <a:rPr lang="en-US" altLang="zh-TW" dirty="0"/>
-              <a:t>        'add' : '</a:t>
-            </a:r>
-            <a:r>
-              <a:rPr lang="en-US" altLang="zh-TW" dirty="0" err="1"/>
-              <a:t>addState</a:t>
-            </a:r>
-            <a:r>
-              <a:rPr lang="en-US" altLang="zh-TW" dirty="0"/>
-              <a:t>',</a:t>
-            </a:r>
-          </a:p>
-          <a:p>
-            <a:r>
-              <a:rPr lang="en-US" altLang="zh-TW" dirty="0"/>
-              <a:t>        'edit/:name' : '</a:t>
-            </a:r>
-            <a:r>
-              <a:rPr lang="en-US" altLang="zh-TW" dirty="0" err="1"/>
-              <a:t>editState</a:t>
-            </a:r>
-            <a:r>
-              <a:rPr lang="en-US" altLang="zh-TW" dirty="0"/>
-              <a:t>'</a:t>
-            </a:r>
-          </a:p>
-          <a:p>
-            <a:r>
-              <a:rPr lang="en-US" altLang="zh-TW" dirty="0"/>
-              <a:t>    },</a:t>
-            </a:r>
-          </a:p>
-          <a:p>
-            <a:r>
-              <a:rPr lang="en-US" altLang="zh-TW" dirty="0"/>
-              <a:t>    home: function(){</a:t>
-            </a:r>
-          </a:p>
-          <a:p>
-            <a:r>
-              <a:rPr lang="en-US" altLang="zh-TW" dirty="0"/>
-              <a:t>        console.log('home');</a:t>
-            </a:r>
-          </a:p>
-          <a:p>
-            <a:r>
-              <a:rPr lang="en-US" altLang="zh-TW" dirty="0"/>
-              <a:t>    },</a:t>
-            </a:r>
-          </a:p>
-          <a:p>
-            <a:r>
-              <a:rPr lang="en-US" altLang="zh-TW" dirty="0"/>
-              <a:t>    </a:t>
-            </a:r>
-            <a:r>
-              <a:rPr lang="en-US" altLang="zh-TW" dirty="0" err="1"/>
-              <a:t>addState</a:t>
-            </a:r>
-            <a:r>
-              <a:rPr lang="en-US" altLang="zh-TW" dirty="0"/>
-              <a:t>: function(){</a:t>
-            </a:r>
-          </a:p>
-          <a:p>
-            <a:r>
-              <a:rPr lang="en-US" altLang="zh-TW" dirty="0"/>
-              <a:t>        console.log('add');</a:t>
-            </a:r>
-          </a:p>
-          <a:p>
-            <a:r>
-              <a:rPr lang="en-US" altLang="zh-TW" dirty="0"/>
-              <a:t>    }, </a:t>
-            </a:r>
-          </a:p>
-          <a:p>
-            <a:r>
-              <a:rPr lang="en-US" altLang="zh-TW" dirty="0"/>
-              <a:t>    </a:t>
-            </a:r>
-            <a:r>
-              <a:rPr lang="en-US" altLang="zh-TW" dirty="0" err="1"/>
-              <a:t>editState</a:t>
-            </a:r>
-            <a:r>
-              <a:rPr lang="en-US" altLang="zh-TW" dirty="0"/>
-              <a:t>: function(id){</a:t>
-            </a:r>
-          </a:p>
-          <a:p>
-            <a:r>
-              <a:rPr lang="en-US" altLang="zh-TW" dirty="0"/>
-              <a:t>         console.log('edit ' + id);</a:t>
-            </a:r>
-          </a:p>
-          <a:p>
-            <a:r>
-              <a:rPr lang="en-US" altLang="zh-TW" dirty="0"/>
-              <a:t>    }</a:t>
-            </a:r>
-          </a:p>
-          <a:p>
-            <a:r>
-              <a:rPr lang="en-US" altLang="zh-TW" dirty="0"/>
-              <a:t>});</a:t>
-            </a:r>
-            <a:endParaRPr lang="zh-TW" altLang="en-US" dirty="0"/>
+              <a:rPr lang="en-US" altLang="zh-TW" sz="1400" dirty="0"/>
+              <a:t>&lt;!DOCTYPE html&gt;</a:t>
+            </a:r>
+          </a:p>
+          <a:p>
+            <a:r>
+              <a:rPr lang="en-US" altLang="zh-TW" sz="1400" dirty="0"/>
+              <a:t>&lt;html&gt;</a:t>
+            </a:r>
+          </a:p>
+          <a:p>
+            <a:r>
+              <a:rPr lang="en-US" altLang="zh-TW" sz="1400" dirty="0"/>
+              <a:t>&lt;head</a:t>
+            </a:r>
+            <a:r>
+              <a:rPr lang="en-US" altLang="zh-TW" sz="1400" dirty="0" smtClean="0"/>
+              <a:t>&gt;</a:t>
+            </a:r>
+          </a:p>
+          <a:p>
+            <a:r>
+              <a:rPr lang="en-US" altLang="zh-TW" sz="1400" dirty="0" smtClean="0"/>
+              <a:t>&lt;link </a:t>
+            </a:r>
+            <a:r>
+              <a:rPr lang="en-US" altLang="zh-TW" sz="1400" dirty="0" err="1" smtClean="0"/>
+              <a:t>href</a:t>
+            </a:r>
+            <a:r>
+              <a:rPr lang="en-US" altLang="zh-TW" sz="1400" dirty="0" smtClean="0"/>
+              <a:t>="</a:t>
+            </a:r>
+            <a:r>
+              <a:rPr lang="en-US" altLang="zh-TW" sz="1400" dirty="0" err="1" smtClean="0"/>
+              <a:t>css</a:t>
+            </a:r>
+            <a:r>
+              <a:rPr lang="en-US" altLang="zh-TW" sz="1400" dirty="0" smtClean="0"/>
+              <a:t>/style.css" media="screen" </a:t>
+            </a:r>
+            <a:r>
+              <a:rPr lang="en-US" altLang="zh-TW" sz="1400" dirty="0" err="1" smtClean="0"/>
+              <a:t>rel</a:t>
+            </a:r>
+            <a:r>
+              <a:rPr lang="en-US" altLang="zh-TW" sz="1400" dirty="0" smtClean="0"/>
+              <a:t>="</a:t>
+            </a:r>
+            <a:r>
+              <a:rPr lang="en-US" altLang="zh-TW" sz="1400" dirty="0" err="1" smtClean="0"/>
+              <a:t>stylesheet</a:t>
+            </a:r>
+            <a:r>
+              <a:rPr lang="en-US" altLang="zh-TW" sz="1400" dirty="0" smtClean="0"/>
+              <a:t>" type="text/</a:t>
+            </a:r>
+            <a:r>
+              <a:rPr lang="en-US" altLang="zh-TW" sz="1400" dirty="0" err="1" smtClean="0"/>
+              <a:t>css</a:t>
+            </a:r>
+            <a:r>
+              <a:rPr lang="en-US" altLang="zh-TW" sz="1400" dirty="0" smtClean="0"/>
+              <a:t>" /&gt;</a:t>
+            </a:r>
+          </a:p>
+          <a:p>
+            <a:r>
+              <a:rPr lang="en-US" altLang="zh-TW" sz="1400" dirty="0" smtClean="0"/>
+              <a:t>&lt;/</a:t>
+            </a:r>
+            <a:r>
+              <a:rPr lang="en-US" altLang="zh-TW" sz="1400" dirty="0"/>
+              <a:t>head</a:t>
+            </a:r>
+            <a:r>
+              <a:rPr lang="en-US" altLang="zh-TW" sz="1400" dirty="0" smtClean="0"/>
+              <a:t>&gt;</a:t>
+            </a:r>
+            <a:endParaRPr lang="en-US" altLang="zh-TW" sz="1400" dirty="0"/>
+          </a:p>
+          <a:p>
+            <a:r>
+              <a:rPr lang="en-US" altLang="zh-TW" sz="1400" dirty="0" smtClean="0"/>
+              <a:t>&lt;</a:t>
+            </a:r>
+            <a:r>
+              <a:rPr lang="en-US" altLang="zh-TW" sz="1400" dirty="0"/>
+              <a:t>body&gt;  </a:t>
+            </a:r>
+          </a:p>
+          <a:p>
+            <a:r>
+              <a:rPr lang="en-US" altLang="zh-TW" sz="1400" dirty="0"/>
+              <a:t>    &lt;script type="text/template" id</a:t>
+            </a:r>
+            <a:r>
+              <a:rPr lang="en-US" altLang="zh-TW" sz="1400" dirty="0" smtClean="0"/>
+              <a:t>=“View-template</a:t>
+            </a:r>
+            <a:r>
+              <a:rPr lang="en-US" altLang="zh-TW" sz="1400" dirty="0"/>
+              <a:t>"&gt;</a:t>
+            </a:r>
+          </a:p>
+          <a:p>
+            <a:r>
+              <a:rPr lang="en-US" altLang="zh-TW" sz="1400" dirty="0" smtClean="0"/>
+              <a:t>…</a:t>
+            </a:r>
+            <a:endParaRPr lang="en-US" altLang="zh-TW" sz="1400" dirty="0"/>
+          </a:p>
+          <a:p>
+            <a:r>
+              <a:rPr lang="en-US" altLang="zh-TW" sz="1400" dirty="0"/>
+              <a:t>    &lt;/script</a:t>
+            </a:r>
+            <a:r>
+              <a:rPr lang="en-US" altLang="zh-TW" sz="1400" dirty="0" smtClean="0"/>
+              <a:t>&gt;</a:t>
+            </a:r>
+          </a:p>
+          <a:p>
+            <a:endParaRPr lang="en-US" altLang="zh-TW" sz="1400" dirty="0" smtClean="0"/>
+          </a:p>
+          <a:p>
+            <a:r>
+              <a:rPr lang="en-US" altLang="zh-TW" sz="1400" dirty="0" smtClean="0"/>
+              <a:t>&lt;</a:t>
+            </a:r>
+            <a:r>
+              <a:rPr lang="en-US" altLang="zh-TW" sz="1400" dirty="0"/>
+              <a:t>script </a:t>
+            </a:r>
+            <a:r>
+              <a:rPr lang="en-US" altLang="zh-TW" sz="1400" dirty="0" err="1"/>
+              <a:t>src</a:t>
+            </a:r>
+            <a:r>
+              <a:rPr lang="en-US" altLang="zh-TW" sz="1400" dirty="0"/>
+              <a:t>="</a:t>
+            </a:r>
+            <a:r>
+              <a:rPr lang="en-US" altLang="zh-TW" sz="1400" dirty="0" err="1"/>
+              <a:t>js</a:t>
+            </a:r>
+            <a:r>
+              <a:rPr lang="en-US" altLang="zh-TW" sz="1400" dirty="0"/>
+              <a:t>/jquery-1.7.2.min.js"&gt;&lt;/script&gt;</a:t>
+            </a:r>
+          </a:p>
+          <a:p>
+            <a:r>
+              <a:rPr lang="en-US" altLang="zh-TW" sz="1400" dirty="0" smtClean="0"/>
+              <a:t>&lt;</a:t>
+            </a:r>
+            <a:r>
+              <a:rPr lang="en-US" altLang="zh-TW" sz="1400" dirty="0"/>
+              <a:t>script </a:t>
+            </a:r>
+            <a:r>
+              <a:rPr lang="en-US" altLang="zh-TW" sz="1400" dirty="0" err="1"/>
+              <a:t>src</a:t>
+            </a:r>
+            <a:r>
+              <a:rPr lang="en-US" altLang="zh-TW" sz="1400" dirty="0"/>
+              <a:t>="</a:t>
+            </a:r>
+            <a:r>
+              <a:rPr lang="en-US" altLang="zh-TW" sz="1400" dirty="0" err="1"/>
+              <a:t>js</a:t>
+            </a:r>
+            <a:r>
+              <a:rPr lang="en-US" altLang="zh-TW" sz="1400" dirty="0"/>
+              <a:t>/underscore-1.3.1.js"&gt;&lt;/script&gt;</a:t>
+            </a:r>
+          </a:p>
+          <a:p>
+            <a:r>
+              <a:rPr lang="en-US" altLang="zh-TW" sz="1400" dirty="0" smtClean="0"/>
+              <a:t>&lt;</a:t>
+            </a:r>
+            <a:r>
+              <a:rPr lang="en-US" altLang="zh-TW" sz="1400" dirty="0"/>
+              <a:t>script </a:t>
+            </a:r>
+            <a:r>
+              <a:rPr lang="en-US" altLang="zh-TW" sz="1400" dirty="0" err="1"/>
+              <a:t>src</a:t>
+            </a:r>
+            <a:r>
+              <a:rPr lang="en-US" altLang="zh-TW" sz="1400" dirty="0"/>
+              <a:t>="</a:t>
+            </a:r>
+            <a:r>
+              <a:rPr lang="en-US" altLang="zh-TW" sz="1400" dirty="0" err="1"/>
+              <a:t>js</a:t>
+            </a:r>
+            <a:r>
+              <a:rPr lang="en-US" altLang="zh-TW" sz="1400" dirty="0"/>
+              <a:t>/backbone.js"&gt;&lt;/script&gt;</a:t>
+            </a:r>
+          </a:p>
+          <a:p>
+            <a:r>
+              <a:rPr lang="en-US" altLang="zh-TW" sz="1400" dirty="0" smtClean="0"/>
+              <a:t>&lt;</a:t>
+            </a:r>
+            <a:r>
+              <a:rPr lang="en-US" altLang="zh-TW" sz="1400" dirty="0"/>
+              <a:t>script </a:t>
+            </a:r>
+            <a:r>
+              <a:rPr lang="en-US" altLang="zh-TW" sz="1400" dirty="0" err="1"/>
+              <a:t>src</a:t>
+            </a:r>
+            <a:r>
+              <a:rPr lang="en-US" altLang="zh-TW" sz="1400" dirty="0"/>
+              <a:t>="</a:t>
+            </a:r>
+            <a:r>
+              <a:rPr lang="en-US" altLang="zh-TW" sz="1400" dirty="0" err="1"/>
+              <a:t>js</a:t>
+            </a:r>
+            <a:r>
+              <a:rPr lang="en-US" altLang="zh-TW" sz="1400" dirty="0"/>
+              <a:t>/backbone.localstorage.js"&gt;&lt;/script&gt;</a:t>
+            </a:r>
+          </a:p>
+          <a:p>
+            <a:r>
+              <a:rPr lang="en-US" altLang="zh-TW" sz="1400" dirty="0"/>
+              <a:t>&lt;script </a:t>
+            </a:r>
+            <a:r>
+              <a:rPr lang="en-US" altLang="zh-TW" sz="1400" dirty="0" err="1"/>
+              <a:t>src</a:t>
+            </a:r>
+            <a:r>
+              <a:rPr lang="en-US" altLang="zh-TW" sz="1400" dirty="0"/>
+              <a:t>="</a:t>
+            </a:r>
+            <a:r>
+              <a:rPr lang="en-US" altLang="zh-TW" sz="1400" dirty="0" err="1"/>
+              <a:t>js</a:t>
+            </a:r>
+            <a:r>
+              <a:rPr lang="en-US" altLang="zh-TW" sz="1400" dirty="0"/>
+              <a:t>/app.js"&gt;&lt;/script</a:t>
+            </a:r>
+            <a:r>
+              <a:rPr lang="en-US" altLang="zh-TW" sz="1400" dirty="0" smtClean="0"/>
+              <a:t>&gt;</a:t>
+            </a:r>
+          </a:p>
+          <a:p>
+            <a:endParaRPr lang="en-US" altLang="zh-TW" sz="1400" dirty="0"/>
+          </a:p>
+          <a:p>
+            <a:r>
+              <a:rPr lang="en-US" altLang="zh-TW" sz="1400" dirty="0"/>
+              <a:t>&lt;/body&gt;</a:t>
+            </a:r>
+          </a:p>
+          <a:p>
+            <a:r>
+              <a:rPr lang="en-US" altLang="zh-TW" sz="1400" dirty="0"/>
+              <a:t>&lt;/html&gt;</a:t>
+            </a:r>
+            <a:endParaRPr lang="zh-TW" altLang="en-US" sz="1400" dirty="0"/>
           </a:p>
         </p:txBody>
       </p:sp>
     </p:spTree>
     <p:extLst>
       <p:ext uri="{BB962C8B-B14F-4D97-AF65-F5344CB8AC3E}">
-        <p14:creationId xmlns:p14="http://schemas.microsoft.com/office/powerpoint/2010/main" val="4058625343"/>
+        <p14:creationId xmlns:p14="http://schemas.microsoft.com/office/powerpoint/2010/main" val="3506393788"/>
       </p:ext>
     </p:extLst>
   </p:cSld>
@@ -5943,7 +6205,7 @@
           <a:p>
             <a:r>
               <a:rPr lang="en-US" altLang="zh-TW" dirty="0" smtClean="0"/>
-              <a:t>View</a:t>
+              <a:t>Router</a:t>
             </a:r>
             <a:endParaRPr lang="zh-TW" altLang="en-US" dirty="0"/>
           </a:p>
@@ -5957,15 +6219,15 @@
         </p:nvSpPr>
         <p:spPr>
           <a:xfrm>
-            <a:off x="1907704" y="2348880"/>
-            <a:ext cx="5328592" cy="3240360"/>
+            <a:off x="2123728" y="1772816"/>
+            <a:ext cx="4572000" cy="4524315"/>
           </a:xfrm>
           <a:prstGeom prst="rect">
             <a:avLst/>
           </a:prstGeom>
         </p:spPr>
         <p:txBody>
-          <a:bodyPr wrap="square">
+          <a:bodyPr>
             <a:spAutoFit/>
           </a:bodyPr>
           <a:lstStyle/>
@@ -5976,19 +6238,11 @@
             </a:r>
             <a:r>
               <a:rPr lang="en-US" altLang="zh-TW" dirty="0"/>
-              <a:t> </a:t>
+              <a:t> App = </a:t>
             </a:r>
             <a:r>
               <a:rPr lang="en-US" altLang="zh-TW" dirty="0" err="1"/>
-              <a:t>TableView</a:t>
-            </a:r>
-            <a:r>
-              <a:rPr lang="en-US" altLang="zh-TW" dirty="0"/>
-              <a:t> = </a:t>
-            </a:r>
-            <a:r>
-              <a:rPr lang="en-US" altLang="zh-TW" dirty="0" err="1"/>
-              <a:t>Backbone.View.extend</a:t>
+              <a:t>Backbone.Router.extend</a:t>
             </a:r>
             <a:r>
               <a:rPr lang="en-US" altLang="zh-TW" dirty="0"/>
@@ -5998,163 +6252,118 @@
           <a:p>
             <a:r>
               <a:rPr lang="en-US" altLang="zh-TW" dirty="0"/>
-              <a:t> </a:t>
-            </a:r>
-            <a:r>
-              <a:rPr lang="en-US" altLang="zh-TW" dirty="0" smtClean="0"/>
-              <a:t>template</a:t>
-            </a:r>
+              <a:t>    routes: {</a:t>
+            </a:r>
+          </a:p>
+          <a:p>
             <a:r>
               <a:rPr lang="en-US" altLang="zh-TW" dirty="0"/>
-              <a:t>: _.template</a:t>
-            </a:r>
-            <a:r>
-              <a:rPr lang="en-US" altLang="zh-TW" dirty="0" smtClean="0"/>
-              <a:t>($("#View-template</a:t>
-            </a:r>
+              <a:t>        '': 'home',</a:t>
+            </a:r>
+          </a:p>
+          <a:p>
             <a:r>
               <a:rPr lang="en-US" altLang="zh-TW" dirty="0"/>
-              <a:t>").html()),</a:t>
-            </a:r>
-          </a:p>
-          <a:p>
+              <a:t>        'add' : '</a:t>
+            </a:r>
+            <a:r>
+              <a:rPr lang="en-US" altLang="zh-TW" dirty="0" err="1"/>
+              <a:t>addState</a:t>
+            </a:r>
             <a:r>
               <a:rPr lang="en-US" altLang="zh-TW" dirty="0"/>
-              <a:t> </a:t>
-            </a:r>
-            <a:r>
-              <a:rPr lang="en-US" altLang="zh-TW" dirty="0" smtClean="0"/>
-              <a:t>render</a:t>
-            </a:r>
+              <a:t>',</a:t>
+            </a:r>
+          </a:p>
+          <a:p>
             <a:r>
               <a:rPr lang="en-US" altLang="zh-TW" dirty="0"/>
-              <a:t>: function</a:t>
-            </a:r>
-            <a:r>
-              <a:rPr lang="en-US" altLang="zh-TW" dirty="0" smtClean="0"/>
-              <a:t>(){</a:t>
-            </a:r>
-          </a:p>
-          <a:p>
-            <a:r>
-              <a:rPr lang="en-US" altLang="zh-TW" dirty="0" smtClean="0"/>
-              <a:t>    this</a:t>
+              <a:t>        'edit/:name' : '</a:t>
+            </a:r>
+            <a:r>
+              <a:rPr lang="en-US" altLang="zh-TW" dirty="0" err="1"/>
+              <a:t>editState</a:t>
             </a:r>
             <a:r>
               <a:rPr lang="en-US" altLang="zh-TW" dirty="0"/>
-              <a:t>.$</a:t>
-            </a:r>
-            <a:r>
-              <a:rPr lang="en-US" altLang="zh-TW" dirty="0" smtClean="0"/>
-              <a:t>el.html(</a:t>
-            </a:r>
-            <a:r>
-              <a:rPr lang="en-US" altLang="zh-TW" dirty="0" err="1" smtClean="0"/>
-              <a:t>this.template</a:t>
-            </a:r>
-            <a:r>
-              <a:rPr lang="en-US" altLang="zh-TW" dirty="0" smtClean="0"/>
-              <a:t>(</a:t>
-            </a:r>
-            <a:r>
-              <a:rPr lang="en-US" altLang="zh-TW" dirty="0" err="1" smtClean="0"/>
-              <a:t>this.model.toJSON</a:t>
-            </a:r>
-            <a:r>
-              <a:rPr lang="en-US" altLang="zh-TW" dirty="0" smtClean="0"/>
-              <a:t>()));</a:t>
-            </a:r>
-            <a:endParaRPr lang="en-US" altLang="zh-TW" dirty="0"/>
+              <a:t>'</a:t>
+            </a:r>
           </a:p>
           <a:p>
             <a:r>
               <a:rPr lang="en-US" altLang="zh-TW" dirty="0"/>
-              <a:t>    return this</a:t>
-            </a:r>
-            <a:r>
-              <a:rPr lang="en-US" altLang="zh-TW" dirty="0" smtClean="0"/>
-              <a:t>;</a:t>
+              <a:t>    },</a:t>
             </a:r>
           </a:p>
           <a:p>
             <a:r>
               <a:rPr lang="en-US" altLang="zh-TW" dirty="0"/>
-              <a:t>  </a:t>
-            </a:r>
-            <a:r>
-              <a:rPr lang="en-US" altLang="zh-TW" dirty="0" smtClean="0"/>
-              <a:t>},</a:t>
-            </a:r>
-          </a:p>
-          <a:p>
-            <a:r>
-              <a:rPr lang="en-US" altLang="zh-TW" dirty="0" smtClean="0"/>
-              <a:t> </a:t>
-            </a:r>
+              <a:t>    home: function(){</a:t>
+            </a:r>
+          </a:p>
+          <a:p>
             <a:r>
               <a:rPr lang="en-US" altLang="zh-TW" dirty="0"/>
-              <a:t>events: {</a:t>
+              <a:t>        console.log('home');</a:t>
             </a:r>
           </a:p>
           <a:p>
             <a:r>
               <a:rPr lang="en-US" altLang="zh-TW" dirty="0"/>
-              <a:t>    'click #</a:t>
+              <a:t>    },</a:t>
+            </a:r>
+          </a:p>
+          <a:p>
+            <a:r>
+              <a:rPr lang="en-US" altLang="zh-TW" dirty="0"/>
+              <a:t>    </a:t>
             </a:r>
             <a:r>
               <a:rPr lang="en-US" altLang="zh-TW" dirty="0" err="1"/>
-              <a:t>submitBtn</a:t>
+              <a:t>addState</a:t>
             </a:r>
             <a:r>
               <a:rPr lang="en-US" altLang="zh-TW" dirty="0"/>
-              <a:t>': </a:t>
-            </a:r>
-            <a:r>
-              <a:rPr lang="en-US" altLang="zh-TW" dirty="0" smtClean="0"/>
-              <a:t>‘</a:t>
-            </a:r>
-            <a:r>
-              <a:rPr lang="en-US" altLang="zh-TW" dirty="0" err="1" smtClean="0"/>
-              <a:t>doSomething</a:t>
-            </a:r>
-            <a:r>
-              <a:rPr lang="en-US" altLang="zh-TW" dirty="0" smtClean="0"/>
-              <a:t>'</a:t>
-            </a:r>
-            <a:endParaRPr lang="en-US" altLang="zh-TW" dirty="0"/>
+              <a:t>: function(){</a:t>
+            </a:r>
           </a:p>
           <a:p>
             <a:r>
               <a:rPr lang="en-US" altLang="zh-TW" dirty="0"/>
-              <a:t>  }, </a:t>
-            </a:r>
-          </a:p>
-          <a:p>
-            <a:r>
-              <a:rPr lang="en-US" altLang="zh-TW" dirty="0" smtClean="0"/>
-              <a:t>  </a:t>
+              <a:t>        console.log('add');</a:t>
+            </a:r>
+          </a:p>
+          <a:p>
+            <a:r>
+              <a:rPr lang="en-US" altLang="zh-TW" dirty="0"/>
+              <a:t>    }, </a:t>
+            </a:r>
+          </a:p>
+          <a:p>
+            <a:r>
+              <a:rPr lang="en-US" altLang="zh-TW" dirty="0"/>
+              <a:t>    </a:t>
             </a:r>
             <a:r>
               <a:rPr lang="en-US" altLang="zh-TW" dirty="0" err="1"/>
-              <a:t>doSomething</a:t>
+              <a:t>editState</a:t>
             </a:r>
             <a:r>
               <a:rPr lang="en-US" altLang="zh-TW" dirty="0"/>
-              <a:t> </a:t>
-            </a:r>
-            <a:r>
-              <a:rPr lang="en-US" altLang="zh-TW" dirty="0" smtClean="0"/>
-              <a:t>: </a:t>
-            </a:r>
+              <a:t>: function(id){</a:t>
+            </a:r>
+          </a:p>
+          <a:p>
             <a:r>
               <a:rPr lang="en-US" altLang="zh-TW" dirty="0"/>
-              <a:t>function(e</a:t>
-            </a:r>
-            <a:r>
-              <a:rPr lang="en-US" altLang="zh-TW" dirty="0" smtClean="0"/>
-              <a:t>){ … }</a:t>
-            </a:r>
-            <a:endParaRPr lang="en-US" altLang="zh-TW" dirty="0"/>
+              <a:t>         console.log('edit ' + id);</a:t>
+            </a:r>
+          </a:p>
+          <a:p>
+            <a:r>
+              <a:rPr lang="en-US" altLang="zh-TW" dirty="0"/>
+              <a:t>    }</a:t>
+            </a:r>
           </a:p>
           <a:p>
             <a:r>
@@ -6162,98 +6371,13 @@
               <a:t>});</a:t>
             </a:r>
             <a:endParaRPr lang="zh-TW" altLang="en-US" dirty="0"/>
-          </a:p>
-        </p:txBody>
-      </p:sp>
-      <p:sp>
-        <p:nvSpPr>
-          <p:cNvPr id="5" name="文字方塊 4"/>
-          <p:cNvSpPr txBox="1"/>
-          <p:nvPr/>
-        </p:nvSpPr>
-        <p:spPr>
-          <a:xfrm>
-            <a:off x="467544" y="1703543"/>
-            <a:ext cx="1800200" cy="369332"/>
-          </a:xfrm>
-          <a:prstGeom prst="rect">
-            <a:avLst/>
-          </a:prstGeom>
-        </p:spPr>
-        <p:style>
-          <a:lnRef idx="2">
-            <a:schemeClr val="accent1"/>
-          </a:lnRef>
-          <a:fillRef idx="1">
-            <a:schemeClr val="lt1"/>
-          </a:fillRef>
-          <a:effectRef idx="0">
-            <a:schemeClr val="accent1"/>
-          </a:effectRef>
-          <a:fontRef idx="minor">
-            <a:schemeClr val="dk1"/>
-          </a:fontRef>
-        </p:style>
-        <p:txBody>
-          <a:bodyPr wrap="square" rtlCol="0">
-            <a:spAutoFit/>
-          </a:bodyPr>
-          <a:lstStyle/>
-          <a:p>
-            <a:r>
-              <a:rPr lang="en-US" altLang="zh-TW" dirty="0" smtClean="0"/>
-              <a:t>$(“&lt;div&gt;&lt;/div&gt;”)</a:t>
-            </a:r>
-            <a:endParaRPr lang="zh-TW" altLang="en-US" dirty="0"/>
-          </a:p>
-        </p:txBody>
-      </p:sp>
-      <p:sp>
-        <p:nvSpPr>
-          <p:cNvPr id="7" name="弧形 6"/>
-          <p:cNvSpPr/>
-          <p:nvPr/>
-        </p:nvSpPr>
-        <p:spPr>
-          <a:xfrm rot="11150447">
-            <a:off x="1525592" y="1024043"/>
-            <a:ext cx="2335762" cy="2364253"/>
-          </a:xfrm>
-          <a:prstGeom prst="arc">
-            <a:avLst/>
-          </a:prstGeom>
-          <a:ln>
-            <a:headEnd type="arrow" w="med" len="med"/>
-            <a:tailEnd type="arrow" w="med" len="med"/>
-          </a:ln>
-        </p:spPr>
-        <p:style>
-          <a:lnRef idx="1">
-            <a:schemeClr val="accent1"/>
-          </a:lnRef>
-          <a:fillRef idx="0">
-            <a:schemeClr val="accent1"/>
-          </a:fillRef>
-          <a:effectRef idx="0">
-            <a:schemeClr val="accent1"/>
-          </a:effectRef>
-          <a:fontRef idx="minor">
-            <a:schemeClr val="tx1"/>
-          </a:fontRef>
-        </p:style>
-        <p:txBody>
-          <a:bodyPr rtlCol="0" anchor="ctr"/>
-          <a:lstStyle/>
-          <a:p>
-            <a:pPr algn="ctr"/>
-            <a:endParaRPr lang="zh-TW" altLang="en-US"/>
           </a:p>
         </p:txBody>
       </p:sp>
     </p:spTree>
     <p:extLst>
       <p:ext uri="{BB962C8B-B14F-4D97-AF65-F5344CB8AC3E}">
-        <p14:creationId xmlns:p14="http://schemas.microsoft.com/office/powerpoint/2010/main" val="3956058983"/>
+        <p14:creationId xmlns:p14="http://schemas.microsoft.com/office/powerpoint/2010/main" val="4058625343"/>
       </p:ext>
     </p:extLst>
   </p:cSld>
